--- a/assets/documentacao_abnt/PowerPoint Projeto Final SENAI.pptx
+++ b/assets/documentacao_abnt/PowerPoint Projeto Final SENAI.pptx
@@ -316,7 +316,7 @@
           <a:p>
             <a:fld id="{954BD786-5AF5-49DC-9045-FA446815DB20}" type="datetimeFigureOut">
               <a:rPr lang="pt-BR" smtClean="0"/>
-              <a:t>22/11/2022</a:t>
+              <a:t>09/12/2022</a:t>
             </a:fld>
             <a:endParaRPr lang="pt-BR"/>
           </a:p>
@@ -484,7 +484,7 @@
           <a:p>
             <a:fld id="{954BD786-5AF5-49DC-9045-FA446815DB20}" type="datetimeFigureOut">
               <a:rPr lang="pt-BR" smtClean="0"/>
-              <a:t>22/11/2022</a:t>
+              <a:t>09/12/2022</a:t>
             </a:fld>
             <a:endParaRPr lang="pt-BR"/>
           </a:p>
@@ -662,7 +662,7 @@
           <a:p>
             <a:fld id="{954BD786-5AF5-49DC-9045-FA446815DB20}" type="datetimeFigureOut">
               <a:rPr lang="pt-BR" smtClean="0"/>
-              <a:t>22/11/2022</a:t>
+              <a:t>09/12/2022</a:t>
             </a:fld>
             <a:endParaRPr lang="pt-BR"/>
           </a:p>
@@ -908,7 +908,7 @@
           <a:p>
             <a:fld id="{FB7BD717-C7D5-43BB-9F0C-DDEA8A279208}" type="datetimeFigureOut">
               <a:rPr lang="pt-BR" smtClean="0"/>
-              <a:t>22/11/2022</a:t>
+              <a:t>09/12/2022</a:t>
             </a:fld>
             <a:endParaRPr lang="pt-BR"/>
           </a:p>
@@ -1092,7 +1092,7 @@
           <a:p>
             <a:fld id="{FB7BD717-C7D5-43BB-9F0C-DDEA8A279208}" type="datetimeFigureOut">
               <a:rPr lang="pt-BR" smtClean="0"/>
-              <a:t>22/11/2022</a:t>
+              <a:t>09/12/2022</a:t>
             </a:fld>
             <a:endParaRPr lang="pt-BR"/>
           </a:p>
@@ -1343,7 +1343,7 @@
           <a:p>
             <a:fld id="{FB7BD717-C7D5-43BB-9F0C-DDEA8A279208}" type="datetimeFigureOut">
               <a:rPr lang="pt-BR" smtClean="0"/>
-              <a:t>22/11/2022</a:t>
+              <a:t>09/12/2022</a:t>
             </a:fld>
             <a:endParaRPr lang="pt-BR"/>
           </a:p>
@@ -1642,7 +1642,7 @@
           <a:p>
             <a:fld id="{FB7BD717-C7D5-43BB-9F0C-DDEA8A279208}" type="datetimeFigureOut">
               <a:rPr lang="pt-BR" smtClean="0"/>
-              <a:t>22/11/2022</a:t>
+              <a:t>09/12/2022</a:t>
             </a:fld>
             <a:endParaRPr lang="pt-BR"/>
           </a:p>
@@ -2081,7 +2081,7 @@
           <a:p>
             <a:fld id="{FB7BD717-C7D5-43BB-9F0C-DDEA8A279208}" type="datetimeFigureOut">
               <a:rPr lang="pt-BR" smtClean="0"/>
-              <a:t>22/11/2022</a:t>
+              <a:t>09/12/2022</a:t>
             </a:fld>
             <a:endParaRPr lang="pt-BR"/>
           </a:p>
@@ -2206,7 +2206,7 @@
           <a:p>
             <a:fld id="{FB7BD717-C7D5-43BB-9F0C-DDEA8A279208}" type="datetimeFigureOut">
               <a:rPr lang="pt-BR" smtClean="0"/>
-              <a:t>22/11/2022</a:t>
+              <a:t>09/12/2022</a:t>
             </a:fld>
             <a:endParaRPr lang="pt-BR"/>
           </a:p>
@@ -2301,7 +2301,7 @@
           <a:p>
             <a:fld id="{FB7BD717-C7D5-43BB-9F0C-DDEA8A279208}" type="datetimeFigureOut">
               <a:rPr lang="pt-BR" smtClean="0"/>
-              <a:t>22/11/2022</a:t>
+              <a:t>09/12/2022</a:t>
             </a:fld>
             <a:endParaRPr lang="pt-BR"/>
           </a:p>
@@ -2585,7 +2585,7 @@
           <a:p>
             <a:fld id="{FB7BD717-C7D5-43BB-9F0C-DDEA8A279208}" type="datetimeFigureOut">
               <a:rPr lang="pt-BR" smtClean="0"/>
-              <a:t>22/11/2022</a:t>
+              <a:t>09/12/2022</a:t>
             </a:fld>
             <a:endParaRPr lang="pt-BR"/>
           </a:p>
@@ -2753,7 +2753,7 @@
           <a:p>
             <a:fld id="{954BD786-5AF5-49DC-9045-FA446815DB20}" type="datetimeFigureOut">
               <a:rPr lang="pt-BR" smtClean="0"/>
-              <a:t>22/11/2022</a:t>
+              <a:t>09/12/2022</a:t>
             </a:fld>
             <a:endParaRPr lang="pt-BR"/>
           </a:p>
@@ -3014,7 +3014,7 @@
           <a:p>
             <a:fld id="{FB7BD717-C7D5-43BB-9F0C-DDEA8A279208}" type="datetimeFigureOut">
               <a:rPr lang="pt-BR" smtClean="0"/>
-              <a:t>22/11/2022</a:t>
+              <a:t>09/12/2022</a:t>
             </a:fld>
             <a:endParaRPr lang="pt-BR"/>
           </a:p>
@@ -3198,7 +3198,7 @@
           <a:p>
             <a:fld id="{FB7BD717-C7D5-43BB-9F0C-DDEA8A279208}" type="datetimeFigureOut">
               <a:rPr lang="pt-BR" smtClean="0"/>
-              <a:t>22/11/2022</a:t>
+              <a:t>09/12/2022</a:t>
             </a:fld>
             <a:endParaRPr lang="pt-BR"/>
           </a:p>
@@ -3382,7 +3382,7 @@
           <a:p>
             <a:fld id="{FB7BD717-C7D5-43BB-9F0C-DDEA8A279208}" type="datetimeFigureOut">
               <a:rPr lang="pt-BR" smtClean="0"/>
-              <a:t>22/11/2022</a:t>
+              <a:t>09/12/2022</a:t>
             </a:fld>
             <a:endParaRPr lang="pt-BR"/>
           </a:p>
@@ -3627,7 +3627,7 @@
           <a:p>
             <a:fld id="{954BD786-5AF5-49DC-9045-FA446815DB20}" type="datetimeFigureOut">
               <a:rPr lang="pt-BR" smtClean="0"/>
-              <a:t>22/11/2022</a:t>
+              <a:t>09/12/2022</a:t>
             </a:fld>
             <a:endParaRPr lang="pt-BR"/>
           </a:p>
@@ -3912,7 +3912,7 @@
           <a:p>
             <a:fld id="{954BD786-5AF5-49DC-9045-FA446815DB20}" type="datetimeFigureOut">
               <a:rPr lang="pt-BR" smtClean="0"/>
-              <a:t>22/11/2022</a:t>
+              <a:t>09/12/2022</a:t>
             </a:fld>
             <a:endParaRPr lang="pt-BR"/>
           </a:p>
@@ -4331,7 +4331,7 @@
           <a:p>
             <a:fld id="{954BD786-5AF5-49DC-9045-FA446815DB20}" type="datetimeFigureOut">
               <a:rPr lang="pt-BR" smtClean="0"/>
-              <a:t>22/11/2022</a:t>
+              <a:t>09/12/2022</a:t>
             </a:fld>
             <a:endParaRPr lang="pt-BR"/>
           </a:p>
@@ -4448,7 +4448,7 @@
           <a:p>
             <a:fld id="{954BD786-5AF5-49DC-9045-FA446815DB20}" type="datetimeFigureOut">
               <a:rPr lang="pt-BR" smtClean="0"/>
-              <a:t>22/11/2022</a:t>
+              <a:t>09/12/2022</a:t>
             </a:fld>
             <a:endParaRPr lang="pt-BR"/>
           </a:p>
@@ -4543,7 +4543,7 @@
           <a:p>
             <a:fld id="{954BD786-5AF5-49DC-9045-FA446815DB20}" type="datetimeFigureOut">
               <a:rPr lang="pt-BR" smtClean="0"/>
-              <a:t>22/11/2022</a:t>
+              <a:t>09/12/2022</a:t>
             </a:fld>
             <a:endParaRPr lang="pt-BR"/>
           </a:p>
@@ -4818,7 +4818,7 @@
           <a:p>
             <a:fld id="{954BD786-5AF5-49DC-9045-FA446815DB20}" type="datetimeFigureOut">
               <a:rPr lang="pt-BR" smtClean="0"/>
-              <a:t>22/11/2022</a:t>
+              <a:t>09/12/2022</a:t>
             </a:fld>
             <a:endParaRPr lang="pt-BR"/>
           </a:p>
@@ -5070,7 +5070,7 @@
           <a:p>
             <a:fld id="{954BD786-5AF5-49DC-9045-FA446815DB20}" type="datetimeFigureOut">
               <a:rPr lang="pt-BR" smtClean="0"/>
-              <a:t>22/11/2022</a:t>
+              <a:t>09/12/2022</a:t>
             </a:fld>
             <a:endParaRPr lang="pt-BR"/>
           </a:p>
@@ -5281,7 +5281,7 @@
           <a:p>
             <a:fld id="{954BD786-5AF5-49DC-9045-FA446815DB20}" type="datetimeFigureOut">
               <a:rPr lang="pt-BR" smtClean="0"/>
-              <a:t>22/11/2022</a:t>
+              <a:t>09/12/2022</a:t>
             </a:fld>
             <a:endParaRPr lang="pt-BR"/>
           </a:p>
@@ -5760,7 +5760,7 @@
           <a:p>
             <a:fld id="{FB7BD717-C7D5-43BB-9F0C-DDEA8A279208}" type="datetimeFigureOut">
               <a:rPr lang="pt-BR" smtClean="0"/>
-              <a:t>22/11/2022</a:t>
+              <a:t>09/12/2022</a:t>
             </a:fld>
             <a:endParaRPr lang="pt-BR"/>
           </a:p>
@@ -6788,15 +6788,7 @@
           <a:p>
             <a:r>
               <a:rPr lang="pt-BR" dirty="0"/>
-              <a:t>Ter maior domínio da linguagem </a:t>
-            </a:r>
-            <a:r>
-              <a:rPr lang="pt-BR" dirty="0" err="1"/>
-              <a:t>JavaScript</a:t>
-            </a:r>
-            <a:r>
-              <a:rPr lang="pt-BR" dirty="0"/>
-              <a:t>.</a:t>
+              <a:t>Ter maior domínio da linguagem JavaScript.</a:t>
             </a:r>
           </a:p>
           <a:p>
@@ -7098,6 +7090,57 @@
           <a:lstStyle/>
           <a:p>
             <a:endParaRPr lang="pt-BR" dirty="0"/>
+          </a:p>
+        </p:txBody>
+      </p:sp>
+      <p:sp>
+        <p:nvSpPr>
+          <p:cNvPr id="4" name="Retângulo 3">
+            <a:extLst>
+              <a:ext uri="{FF2B5EF4-FFF2-40B4-BE49-F238E27FC236}">
+                <a16:creationId xmlns:a16="http://schemas.microsoft.com/office/drawing/2014/main" id="{EF637330-23B7-4A55-A15F-E4F815DB615A}"/>
+              </a:ext>
+            </a:extLst>
+          </p:cNvPr>
+          <p:cNvSpPr/>
+          <p:nvPr/>
+        </p:nvSpPr>
+        <p:spPr>
+          <a:xfrm>
+            <a:off x="0" y="1574800"/>
+            <a:ext cx="9832528" cy="75754"/>
+          </a:xfrm>
+          <a:prstGeom prst="rect">
+            <a:avLst/>
+          </a:prstGeom>
+          <a:ln>
+            <a:solidFill>
+              <a:schemeClr val="accent1"/>
+            </a:solidFill>
+          </a:ln>
+        </p:spPr>
+        <p:style>
+          <a:lnRef idx="2">
+            <a:schemeClr val="accent1">
+              <a:shade val="50000"/>
+            </a:schemeClr>
+          </a:lnRef>
+          <a:fillRef idx="1">
+            <a:schemeClr val="accent1"/>
+          </a:fillRef>
+          <a:effectRef idx="0">
+            <a:schemeClr val="accent1"/>
+          </a:effectRef>
+          <a:fontRef idx="minor">
+            <a:schemeClr val="lt1"/>
+          </a:fontRef>
+        </p:style>
+        <p:txBody>
+          <a:bodyPr rtlCol="0" anchor="ctr"/>
+          <a:lstStyle/>
+          <a:p>
+            <a:pPr algn="ctr"/>
+            <a:endParaRPr lang="pt-BR"/>
           </a:p>
         </p:txBody>
       </p:sp>
@@ -7320,12 +7363,8 @@
               </a:lnSpc>
             </a:pPr>
             <a:r>
-              <a:rPr lang="pt-BR" sz="3600" dirty="0" err="1"/>
-              <a:t>Publico-Alvo</a:t>
-            </a:r>
-            <a:r>
               <a:rPr lang="pt-BR" sz="3600" dirty="0"/>
-              <a:t>: </a:t>
+              <a:t>Publico-Alvo: </a:t>
             </a:r>
           </a:p>
           <a:p>
@@ -7372,28 +7411,8 @@
               <a:buNone/>
             </a:pPr>
             <a:r>
-              <a:rPr lang="pt-BR" sz="1800" dirty="0" err="1"/>
-              <a:t>Ifood</a:t>
-            </a:r>
-            <a:r>
               <a:rPr lang="pt-BR" sz="1800" dirty="0"/>
-              <a:t>, </a:t>
-            </a:r>
-            <a:r>
-              <a:rPr lang="pt-BR" sz="1800" dirty="0" err="1"/>
-              <a:t>Rappi</a:t>
-            </a:r>
-            <a:r>
-              <a:rPr lang="pt-BR" sz="1800" dirty="0"/>
-              <a:t>, </a:t>
-            </a:r>
-            <a:r>
-              <a:rPr lang="pt-BR" sz="1800" dirty="0" err="1"/>
-              <a:t>UberEats</a:t>
-            </a:r>
-            <a:r>
-              <a:rPr lang="pt-BR" sz="1800" dirty="0"/>
-              <a:t> ...</a:t>
+              <a:t>Ifood, Rappi, UberEats ...</a:t>
             </a:r>
           </a:p>
         </p:txBody>
@@ -7600,7 +7619,7 @@
             </a:r>
             <a:r>
               <a:rPr lang="pt-BR" sz="2000" dirty="0"/>
-              <a:t>05/12/2022</a:t>
+              <a:t>12/12/2022</a:t>
             </a:r>
           </a:p>
           <a:p>
@@ -7793,20 +7812,8 @@
               <a:t> Fontes: </a:t>
             </a:r>
             <a:r>
-              <a:rPr lang="pt-BR" sz="2000" dirty="0" err="1"/>
-              <a:t>BadScript</a:t>
-            </a:r>
-            <a:r>
               <a:rPr lang="pt-BR" sz="2000" dirty="0"/>
-              <a:t>, </a:t>
-            </a:r>
-            <a:r>
-              <a:rPr lang="pt-BR" sz="2000" dirty="0" err="1"/>
-              <a:t>Nunito</a:t>
-            </a:r>
-            <a:r>
-              <a:rPr lang="pt-BR" sz="2000" dirty="0"/>
-              <a:t>.</a:t>
+              <a:t>BadScript, Nunito.</a:t>
             </a:r>
           </a:p>
           <a:p>
@@ -7828,7 +7835,7 @@
             </a:r>
             <a:r>
               <a:rPr lang="pt-BR" sz="2000" dirty="0"/>
-              <a:t>HTML/ CSS/ JAVASCRIPT/ NODE.JS/ SQL/ GIT/ GITHUB/</a:t>
+              <a:t>HTML/ CSS/ JAVASCRIPT/ SQL/ GIT/ GITHUB/C#</a:t>
             </a:r>
           </a:p>
         </p:txBody>
@@ -8064,48 +8071,16 @@
               <a:t> </a:t>
             </a:r>
             <a:r>
-              <a:rPr lang="pt-BR" sz="2000" dirty="0" err="1"/>
-              <a:t>splash</a:t>
-            </a:r>
-            <a:r>
               <a:rPr lang="pt-BR" sz="2000" dirty="0"/>
-              <a:t>/   </a:t>
-            </a:r>
-            <a:r>
-              <a:rPr lang="pt-BR" sz="2000" dirty="0" err="1"/>
-              <a:t>welcome</a:t>
-            </a:r>
-            <a:r>
-              <a:rPr lang="pt-BR" sz="2000" dirty="0"/>
-              <a:t>/</a:t>
+              <a:t>splash/   welcome/</a:t>
             </a:r>
             <a:r>
               <a:rPr lang="pt-BR" sz="3600" dirty="0"/>
               <a:t> </a:t>
             </a:r>
             <a:r>
-              <a:rPr lang="pt-BR" sz="2000" dirty="0" err="1"/>
-              <a:t>authentication</a:t>
-            </a:r>
-            <a:r>
               <a:rPr lang="pt-BR" sz="2000" dirty="0"/>
-              <a:t>/ cadastre-se/  home/  </a:t>
-            </a:r>
-            <a:r>
-              <a:rPr lang="pt-BR" sz="2000" dirty="0" err="1"/>
-              <a:t>list</a:t>
-            </a:r>
-            <a:r>
-              <a:rPr lang="pt-BR" sz="2000" dirty="0"/>
-              <a:t>/ complete/  card/                                </a:t>
-            </a:r>
-            <a:r>
-              <a:rPr lang="pt-BR" sz="2000" dirty="0" err="1"/>
-              <a:t>address</a:t>
-            </a:r>
-            <a:r>
-              <a:rPr lang="pt-BR" sz="2000" dirty="0"/>
-              <a:t>/  status/ perfil/</a:t>
+              <a:t>authentication/ cadastre-se/  home/  list/ complete/  card/                                address/  status/ perfil</a:t>
             </a:r>
           </a:p>
           <a:p>
@@ -8327,8 +8302,8 @@
         </p:nvSpPr>
         <p:spPr>
           <a:xfrm>
-            <a:off x="0" y="1578546"/>
-            <a:ext cx="9832528" cy="72008"/>
+            <a:off x="0" y="1574800"/>
+            <a:ext cx="9832528" cy="75754"/>
           </a:xfrm>
           <a:prstGeom prst="rect">
             <a:avLst/>

--- a/assets/documentacao_abnt/PowerPoint Projeto Final SENAI.pptx
+++ b/assets/documentacao_abnt/PowerPoint Projeto Final SENAI.pptx
@@ -316,7 +316,7 @@
           <a:p>
             <a:fld id="{954BD786-5AF5-49DC-9045-FA446815DB20}" type="datetimeFigureOut">
               <a:rPr lang="pt-BR" smtClean="0"/>
-              <a:t>09/12/2022</a:t>
+              <a:t>10/12/2022</a:t>
             </a:fld>
             <a:endParaRPr lang="pt-BR"/>
           </a:p>
@@ -484,7 +484,7 @@
           <a:p>
             <a:fld id="{954BD786-5AF5-49DC-9045-FA446815DB20}" type="datetimeFigureOut">
               <a:rPr lang="pt-BR" smtClean="0"/>
-              <a:t>09/12/2022</a:t>
+              <a:t>10/12/2022</a:t>
             </a:fld>
             <a:endParaRPr lang="pt-BR"/>
           </a:p>
@@ -662,7 +662,7 @@
           <a:p>
             <a:fld id="{954BD786-5AF5-49DC-9045-FA446815DB20}" type="datetimeFigureOut">
               <a:rPr lang="pt-BR" smtClean="0"/>
-              <a:t>09/12/2022</a:t>
+              <a:t>10/12/2022</a:t>
             </a:fld>
             <a:endParaRPr lang="pt-BR"/>
           </a:p>
@@ -908,7 +908,7 @@
           <a:p>
             <a:fld id="{FB7BD717-C7D5-43BB-9F0C-DDEA8A279208}" type="datetimeFigureOut">
               <a:rPr lang="pt-BR" smtClean="0"/>
-              <a:t>09/12/2022</a:t>
+              <a:t>10/12/2022</a:t>
             </a:fld>
             <a:endParaRPr lang="pt-BR"/>
           </a:p>
@@ -1092,7 +1092,7 @@
           <a:p>
             <a:fld id="{FB7BD717-C7D5-43BB-9F0C-DDEA8A279208}" type="datetimeFigureOut">
               <a:rPr lang="pt-BR" smtClean="0"/>
-              <a:t>09/12/2022</a:t>
+              <a:t>10/12/2022</a:t>
             </a:fld>
             <a:endParaRPr lang="pt-BR"/>
           </a:p>
@@ -1343,7 +1343,7 @@
           <a:p>
             <a:fld id="{FB7BD717-C7D5-43BB-9F0C-DDEA8A279208}" type="datetimeFigureOut">
               <a:rPr lang="pt-BR" smtClean="0"/>
-              <a:t>09/12/2022</a:t>
+              <a:t>10/12/2022</a:t>
             </a:fld>
             <a:endParaRPr lang="pt-BR"/>
           </a:p>
@@ -1642,7 +1642,7 @@
           <a:p>
             <a:fld id="{FB7BD717-C7D5-43BB-9F0C-DDEA8A279208}" type="datetimeFigureOut">
               <a:rPr lang="pt-BR" smtClean="0"/>
-              <a:t>09/12/2022</a:t>
+              <a:t>10/12/2022</a:t>
             </a:fld>
             <a:endParaRPr lang="pt-BR"/>
           </a:p>
@@ -2081,7 +2081,7 @@
           <a:p>
             <a:fld id="{FB7BD717-C7D5-43BB-9F0C-DDEA8A279208}" type="datetimeFigureOut">
               <a:rPr lang="pt-BR" smtClean="0"/>
-              <a:t>09/12/2022</a:t>
+              <a:t>10/12/2022</a:t>
             </a:fld>
             <a:endParaRPr lang="pt-BR"/>
           </a:p>
@@ -2206,7 +2206,7 @@
           <a:p>
             <a:fld id="{FB7BD717-C7D5-43BB-9F0C-DDEA8A279208}" type="datetimeFigureOut">
               <a:rPr lang="pt-BR" smtClean="0"/>
-              <a:t>09/12/2022</a:t>
+              <a:t>10/12/2022</a:t>
             </a:fld>
             <a:endParaRPr lang="pt-BR"/>
           </a:p>
@@ -2301,7 +2301,7 @@
           <a:p>
             <a:fld id="{FB7BD717-C7D5-43BB-9F0C-DDEA8A279208}" type="datetimeFigureOut">
               <a:rPr lang="pt-BR" smtClean="0"/>
-              <a:t>09/12/2022</a:t>
+              <a:t>10/12/2022</a:t>
             </a:fld>
             <a:endParaRPr lang="pt-BR"/>
           </a:p>
@@ -2585,7 +2585,7 @@
           <a:p>
             <a:fld id="{FB7BD717-C7D5-43BB-9F0C-DDEA8A279208}" type="datetimeFigureOut">
               <a:rPr lang="pt-BR" smtClean="0"/>
-              <a:t>09/12/2022</a:t>
+              <a:t>10/12/2022</a:t>
             </a:fld>
             <a:endParaRPr lang="pt-BR"/>
           </a:p>
@@ -2753,7 +2753,7 @@
           <a:p>
             <a:fld id="{954BD786-5AF5-49DC-9045-FA446815DB20}" type="datetimeFigureOut">
               <a:rPr lang="pt-BR" smtClean="0"/>
-              <a:t>09/12/2022</a:t>
+              <a:t>10/12/2022</a:t>
             </a:fld>
             <a:endParaRPr lang="pt-BR"/>
           </a:p>
@@ -3014,7 +3014,7 @@
           <a:p>
             <a:fld id="{FB7BD717-C7D5-43BB-9F0C-DDEA8A279208}" type="datetimeFigureOut">
               <a:rPr lang="pt-BR" smtClean="0"/>
-              <a:t>09/12/2022</a:t>
+              <a:t>10/12/2022</a:t>
             </a:fld>
             <a:endParaRPr lang="pt-BR"/>
           </a:p>
@@ -3198,7 +3198,7 @@
           <a:p>
             <a:fld id="{FB7BD717-C7D5-43BB-9F0C-DDEA8A279208}" type="datetimeFigureOut">
               <a:rPr lang="pt-BR" smtClean="0"/>
-              <a:t>09/12/2022</a:t>
+              <a:t>10/12/2022</a:t>
             </a:fld>
             <a:endParaRPr lang="pt-BR"/>
           </a:p>
@@ -3382,7 +3382,7 @@
           <a:p>
             <a:fld id="{FB7BD717-C7D5-43BB-9F0C-DDEA8A279208}" type="datetimeFigureOut">
               <a:rPr lang="pt-BR" smtClean="0"/>
-              <a:t>09/12/2022</a:t>
+              <a:t>10/12/2022</a:t>
             </a:fld>
             <a:endParaRPr lang="pt-BR"/>
           </a:p>
@@ -3627,7 +3627,7 @@
           <a:p>
             <a:fld id="{954BD786-5AF5-49DC-9045-FA446815DB20}" type="datetimeFigureOut">
               <a:rPr lang="pt-BR" smtClean="0"/>
-              <a:t>09/12/2022</a:t>
+              <a:t>10/12/2022</a:t>
             </a:fld>
             <a:endParaRPr lang="pt-BR"/>
           </a:p>
@@ -3912,7 +3912,7 @@
           <a:p>
             <a:fld id="{954BD786-5AF5-49DC-9045-FA446815DB20}" type="datetimeFigureOut">
               <a:rPr lang="pt-BR" smtClean="0"/>
-              <a:t>09/12/2022</a:t>
+              <a:t>10/12/2022</a:t>
             </a:fld>
             <a:endParaRPr lang="pt-BR"/>
           </a:p>
@@ -4331,7 +4331,7 @@
           <a:p>
             <a:fld id="{954BD786-5AF5-49DC-9045-FA446815DB20}" type="datetimeFigureOut">
               <a:rPr lang="pt-BR" smtClean="0"/>
-              <a:t>09/12/2022</a:t>
+              <a:t>10/12/2022</a:t>
             </a:fld>
             <a:endParaRPr lang="pt-BR"/>
           </a:p>
@@ -4448,7 +4448,7 @@
           <a:p>
             <a:fld id="{954BD786-5AF5-49DC-9045-FA446815DB20}" type="datetimeFigureOut">
               <a:rPr lang="pt-BR" smtClean="0"/>
-              <a:t>09/12/2022</a:t>
+              <a:t>10/12/2022</a:t>
             </a:fld>
             <a:endParaRPr lang="pt-BR"/>
           </a:p>
@@ -4543,7 +4543,7 @@
           <a:p>
             <a:fld id="{954BD786-5AF5-49DC-9045-FA446815DB20}" type="datetimeFigureOut">
               <a:rPr lang="pt-BR" smtClean="0"/>
-              <a:t>09/12/2022</a:t>
+              <a:t>10/12/2022</a:t>
             </a:fld>
             <a:endParaRPr lang="pt-BR"/>
           </a:p>
@@ -4818,7 +4818,7 @@
           <a:p>
             <a:fld id="{954BD786-5AF5-49DC-9045-FA446815DB20}" type="datetimeFigureOut">
               <a:rPr lang="pt-BR" smtClean="0"/>
-              <a:t>09/12/2022</a:t>
+              <a:t>10/12/2022</a:t>
             </a:fld>
             <a:endParaRPr lang="pt-BR"/>
           </a:p>
@@ -5070,7 +5070,7 @@
           <a:p>
             <a:fld id="{954BD786-5AF5-49DC-9045-FA446815DB20}" type="datetimeFigureOut">
               <a:rPr lang="pt-BR" smtClean="0"/>
-              <a:t>09/12/2022</a:t>
+              <a:t>10/12/2022</a:t>
             </a:fld>
             <a:endParaRPr lang="pt-BR"/>
           </a:p>
@@ -5281,7 +5281,7 @@
           <a:p>
             <a:fld id="{954BD786-5AF5-49DC-9045-FA446815DB20}" type="datetimeFigureOut">
               <a:rPr lang="pt-BR" smtClean="0"/>
-              <a:t>09/12/2022</a:t>
+              <a:t>10/12/2022</a:t>
             </a:fld>
             <a:endParaRPr lang="pt-BR"/>
           </a:p>
@@ -5760,7 +5760,7 @@
           <a:p>
             <a:fld id="{FB7BD717-C7D5-43BB-9F0C-DDEA8A279208}" type="datetimeFigureOut">
               <a:rPr lang="pt-BR" smtClean="0"/>
-              <a:t>09/12/2022</a:t>
+              <a:t>10/12/2022</a:t>
             </a:fld>
             <a:endParaRPr lang="pt-BR"/>
           </a:p>
@@ -6565,7 +6565,13 @@
           <a:bodyPr/>
           <a:lstStyle/>
           <a:p>
-            <a:endParaRPr lang="pt-BR" dirty="0"/>
+            <a:pPr marL="0" indent="0">
+              <a:buNone/>
+            </a:pPr>
+            <a:r>
+              <a:rPr lang="pt-BR" dirty="0"/>
+              <a:t> Criar um projeto real para desenvolver nossas habilidades no front-end e mostrar através desse projeto também o conhecimento absorvido no curso técnico de Desenvolvimento de Sistemas.</a:t>
+            </a:r>
           </a:p>
         </p:txBody>
       </p:sp>
@@ -7003,7 +7009,13 @@
           <a:bodyPr/>
           <a:lstStyle/>
           <a:p>
-            <a:endParaRPr lang="pt-BR"/>
+            <a:pPr marL="0" indent="0">
+              <a:buNone/>
+            </a:pPr>
+            <a:r>
+              <a:rPr lang="pt-BR" dirty="0"/>
+              <a:t>   Projeto concluído com sucesso.</a:t>
+            </a:r>
           </a:p>
         </p:txBody>
       </p:sp>
@@ -7084,63 +7096,25 @@
             <p:ph idx="1"/>
           </p:nvPr>
         </p:nvSpPr>
-        <p:spPr/>
-        <p:txBody>
-          <a:bodyPr/>
-          <a:lstStyle/>
-          <a:p>
-            <a:endParaRPr lang="pt-BR" dirty="0"/>
-          </a:p>
-        </p:txBody>
-      </p:sp>
-      <p:sp>
-        <p:nvSpPr>
-          <p:cNvPr id="4" name="Retângulo 3">
-            <a:extLst>
-              <a:ext uri="{FF2B5EF4-FFF2-40B4-BE49-F238E27FC236}">
-                <a16:creationId xmlns:a16="http://schemas.microsoft.com/office/drawing/2014/main" id="{EF637330-23B7-4A55-A15F-E4F815DB615A}"/>
-              </a:ext>
-            </a:extLst>
-          </p:cNvPr>
-          <p:cNvSpPr/>
-          <p:nvPr/>
-        </p:nvSpPr>
         <p:spPr>
           <a:xfrm>
-            <a:off x="0" y="1574800"/>
-            <a:ext cx="9832528" cy="75754"/>
+            <a:off x="508000" y="1778000"/>
+            <a:ext cx="9144000" cy="2032794"/>
           </a:xfrm>
-          <a:prstGeom prst="rect">
-            <a:avLst/>
-          </a:prstGeom>
-          <a:ln>
-            <a:solidFill>
-              <a:schemeClr val="accent1"/>
-            </a:solidFill>
-          </a:ln>
         </p:spPr>
-        <p:style>
-          <a:lnRef idx="2">
-            <a:schemeClr val="accent1">
-              <a:shade val="50000"/>
-            </a:schemeClr>
-          </a:lnRef>
-          <a:fillRef idx="1">
-            <a:schemeClr val="accent1"/>
-          </a:fillRef>
-          <a:effectRef idx="0">
-            <a:schemeClr val="accent1"/>
-          </a:effectRef>
-          <a:fontRef idx="minor">
-            <a:schemeClr val="lt1"/>
-          </a:fontRef>
-        </p:style>
-        <p:txBody>
-          <a:bodyPr rtlCol="0" anchor="ctr"/>
-          <a:lstStyle/>
-          <a:p>
-            <a:pPr algn="ctr"/>
-            <a:endParaRPr lang="pt-BR"/>
+        <p:txBody>
+          <a:bodyPr/>
+          <a:lstStyle/>
+          <a:p>
+            <a:pPr marL="0" indent="0">
+              <a:buNone/>
+            </a:pPr>
+            <a:r>
+              <a:rPr lang="pt-BR" dirty="0">
+                <a:cs typeface="Arial" panose="020B0604020202020204" pitchFamily="34" charset="0"/>
+              </a:rPr>
+              <a:t>Um site de delivery que permite o usuário realizar ciclos de compra através de um dispositivo mobile ou desktop.</a:t>
+            </a:r>
           </a:p>
         </p:txBody>
       </p:sp>
@@ -8426,7 +8400,13 @@
           <a:bodyPr/>
           <a:lstStyle/>
           <a:p>
-            <a:endParaRPr lang="pt-BR" dirty="0"/>
+            <a:pPr marL="0" indent="0">
+              <a:buNone/>
+            </a:pPr>
+            <a:r>
+              <a:rPr lang="pt-BR" dirty="0"/>
+              <a:t> Desenvolver um site de delivery com as principais funcionalidades e etapas de compra inspirado em grandes empresas de fast food como: Ifood, Rappi, UberEats .</a:t>
+            </a:r>
           </a:p>
         </p:txBody>
       </p:sp>

--- a/assets/documentacao_abnt/PowerPoint Projeto Final SENAI.pptx
+++ b/assets/documentacao_abnt/PowerPoint Projeto Final SENAI.pptx
@@ -14,12 +14,22 @@
     <p:sldId id="269" r:id="rId8"/>
     <p:sldId id="270" r:id="rId9"/>
     <p:sldId id="271" r:id="rId10"/>
-    <p:sldId id="267" r:id="rId11"/>
-    <p:sldId id="260" r:id="rId12"/>
+    <p:sldId id="260" r:id="rId11"/>
+    <p:sldId id="267" r:id="rId12"/>
     <p:sldId id="261" r:id="rId13"/>
     <p:sldId id="262" r:id="rId14"/>
-    <p:sldId id="264" r:id="rId15"/>
-    <p:sldId id="265" r:id="rId16"/>
+    <p:sldId id="277" r:id="rId15"/>
+    <p:sldId id="264" r:id="rId16"/>
+    <p:sldId id="273" r:id="rId17"/>
+    <p:sldId id="274" r:id="rId18"/>
+    <p:sldId id="275" r:id="rId19"/>
+    <p:sldId id="278" r:id="rId20"/>
+    <p:sldId id="276" r:id="rId21"/>
+    <p:sldId id="281" r:id="rId22"/>
+    <p:sldId id="279" r:id="rId23"/>
+    <p:sldId id="280" r:id="rId24"/>
+    <p:sldId id="265" r:id="rId25"/>
+    <p:sldId id="272" r:id="rId26"/>
   </p:sldIdLst>
   <p:sldSz cx="10160000" cy="7621588"/>
   <p:notesSz cx="6858000" cy="9144000"/>
@@ -316,7 +326,7 @@
           <a:p>
             <a:fld id="{954BD786-5AF5-49DC-9045-FA446815DB20}" type="datetimeFigureOut">
               <a:rPr lang="pt-BR" smtClean="0"/>
-              <a:t>10/12/2022</a:t>
+              <a:t>12/12/2022</a:t>
             </a:fld>
             <a:endParaRPr lang="pt-BR"/>
           </a:p>
@@ -484,7 +494,7 @@
           <a:p>
             <a:fld id="{954BD786-5AF5-49DC-9045-FA446815DB20}" type="datetimeFigureOut">
               <a:rPr lang="pt-BR" smtClean="0"/>
-              <a:t>10/12/2022</a:t>
+              <a:t>12/12/2022</a:t>
             </a:fld>
             <a:endParaRPr lang="pt-BR"/>
           </a:p>
@@ -662,7 +672,7 @@
           <a:p>
             <a:fld id="{954BD786-5AF5-49DC-9045-FA446815DB20}" type="datetimeFigureOut">
               <a:rPr lang="pt-BR" smtClean="0"/>
-              <a:t>10/12/2022</a:t>
+              <a:t>12/12/2022</a:t>
             </a:fld>
             <a:endParaRPr lang="pt-BR"/>
           </a:p>
@@ -908,7 +918,7 @@
           <a:p>
             <a:fld id="{FB7BD717-C7D5-43BB-9F0C-DDEA8A279208}" type="datetimeFigureOut">
               <a:rPr lang="pt-BR" smtClean="0"/>
-              <a:t>10/12/2022</a:t>
+              <a:t>12/12/2022</a:t>
             </a:fld>
             <a:endParaRPr lang="pt-BR"/>
           </a:p>
@@ -1092,7 +1102,7 @@
           <a:p>
             <a:fld id="{FB7BD717-C7D5-43BB-9F0C-DDEA8A279208}" type="datetimeFigureOut">
               <a:rPr lang="pt-BR" smtClean="0"/>
-              <a:t>10/12/2022</a:t>
+              <a:t>12/12/2022</a:t>
             </a:fld>
             <a:endParaRPr lang="pt-BR"/>
           </a:p>
@@ -1343,7 +1353,7 @@
           <a:p>
             <a:fld id="{FB7BD717-C7D5-43BB-9F0C-DDEA8A279208}" type="datetimeFigureOut">
               <a:rPr lang="pt-BR" smtClean="0"/>
-              <a:t>10/12/2022</a:t>
+              <a:t>12/12/2022</a:t>
             </a:fld>
             <a:endParaRPr lang="pt-BR"/>
           </a:p>
@@ -1642,7 +1652,7 @@
           <a:p>
             <a:fld id="{FB7BD717-C7D5-43BB-9F0C-DDEA8A279208}" type="datetimeFigureOut">
               <a:rPr lang="pt-BR" smtClean="0"/>
-              <a:t>10/12/2022</a:t>
+              <a:t>12/12/2022</a:t>
             </a:fld>
             <a:endParaRPr lang="pt-BR"/>
           </a:p>
@@ -2081,7 +2091,7 @@
           <a:p>
             <a:fld id="{FB7BD717-C7D5-43BB-9F0C-DDEA8A279208}" type="datetimeFigureOut">
               <a:rPr lang="pt-BR" smtClean="0"/>
-              <a:t>10/12/2022</a:t>
+              <a:t>12/12/2022</a:t>
             </a:fld>
             <a:endParaRPr lang="pt-BR"/>
           </a:p>
@@ -2206,7 +2216,7 @@
           <a:p>
             <a:fld id="{FB7BD717-C7D5-43BB-9F0C-DDEA8A279208}" type="datetimeFigureOut">
               <a:rPr lang="pt-BR" smtClean="0"/>
-              <a:t>10/12/2022</a:t>
+              <a:t>12/12/2022</a:t>
             </a:fld>
             <a:endParaRPr lang="pt-BR"/>
           </a:p>
@@ -2301,7 +2311,7 @@
           <a:p>
             <a:fld id="{FB7BD717-C7D5-43BB-9F0C-DDEA8A279208}" type="datetimeFigureOut">
               <a:rPr lang="pt-BR" smtClean="0"/>
-              <a:t>10/12/2022</a:t>
+              <a:t>12/12/2022</a:t>
             </a:fld>
             <a:endParaRPr lang="pt-BR"/>
           </a:p>
@@ -2585,7 +2595,7 @@
           <a:p>
             <a:fld id="{FB7BD717-C7D5-43BB-9F0C-DDEA8A279208}" type="datetimeFigureOut">
               <a:rPr lang="pt-BR" smtClean="0"/>
-              <a:t>10/12/2022</a:t>
+              <a:t>12/12/2022</a:t>
             </a:fld>
             <a:endParaRPr lang="pt-BR"/>
           </a:p>
@@ -2753,7 +2763,7 @@
           <a:p>
             <a:fld id="{954BD786-5AF5-49DC-9045-FA446815DB20}" type="datetimeFigureOut">
               <a:rPr lang="pt-BR" smtClean="0"/>
-              <a:t>10/12/2022</a:t>
+              <a:t>12/12/2022</a:t>
             </a:fld>
             <a:endParaRPr lang="pt-BR"/>
           </a:p>
@@ -3014,7 +3024,7 @@
           <a:p>
             <a:fld id="{FB7BD717-C7D5-43BB-9F0C-DDEA8A279208}" type="datetimeFigureOut">
               <a:rPr lang="pt-BR" smtClean="0"/>
-              <a:t>10/12/2022</a:t>
+              <a:t>12/12/2022</a:t>
             </a:fld>
             <a:endParaRPr lang="pt-BR"/>
           </a:p>
@@ -3198,7 +3208,7 @@
           <a:p>
             <a:fld id="{FB7BD717-C7D5-43BB-9F0C-DDEA8A279208}" type="datetimeFigureOut">
               <a:rPr lang="pt-BR" smtClean="0"/>
-              <a:t>10/12/2022</a:t>
+              <a:t>12/12/2022</a:t>
             </a:fld>
             <a:endParaRPr lang="pt-BR"/>
           </a:p>
@@ -3382,7 +3392,7 @@
           <a:p>
             <a:fld id="{FB7BD717-C7D5-43BB-9F0C-DDEA8A279208}" type="datetimeFigureOut">
               <a:rPr lang="pt-BR" smtClean="0"/>
-              <a:t>10/12/2022</a:t>
+              <a:t>12/12/2022</a:t>
             </a:fld>
             <a:endParaRPr lang="pt-BR"/>
           </a:p>
@@ -3627,7 +3637,7 @@
           <a:p>
             <a:fld id="{954BD786-5AF5-49DC-9045-FA446815DB20}" type="datetimeFigureOut">
               <a:rPr lang="pt-BR" smtClean="0"/>
-              <a:t>10/12/2022</a:t>
+              <a:t>12/12/2022</a:t>
             </a:fld>
             <a:endParaRPr lang="pt-BR"/>
           </a:p>
@@ -3912,7 +3922,7 @@
           <a:p>
             <a:fld id="{954BD786-5AF5-49DC-9045-FA446815DB20}" type="datetimeFigureOut">
               <a:rPr lang="pt-BR" smtClean="0"/>
-              <a:t>10/12/2022</a:t>
+              <a:t>12/12/2022</a:t>
             </a:fld>
             <a:endParaRPr lang="pt-BR"/>
           </a:p>
@@ -4331,7 +4341,7 @@
           <a:p>
             <a:fld id="{954BD786-5AF5-49DC-9045-FA446815DB20}" type="datetimeFigureOut">
               <a:rPr lang="pt-BR" smtClean="0"/>
-              <a:t>10/12/2022</a:t>
+              <a:t>12/12/2022</a:t>
             </a:fld>
             <a:endParaRPr lang="pt-BR"/>
           </a:p>
@@ -4448,7 +4458,7 @@
           <a:p>
             <a:fld id="{954BD786-5AF5-49DC-9045-FA446815DB20}" type="datetimeFigureOut">
               <a:rPr lang="pt-BR" smtClean="0"/>
-              <a:t>10/12/2022</a:t>
+              <a:t>12/12/2022</a:t>
             </a:fld>
             <a:endParaRPr lang="pt-BR"/>
           </a:p>
@@ -4543,7 +4553,7 @@
           <a:p>
             <a:fld id="{954BD786-5AF5-49DC-9045-FA446815DB20}" type="datetimeFigureOut">
               <a:rPr lang="pt-BR" smtClean="0"/>
-              <a:t>10/12/2022</a:t>
+              <a:t>12/12/2022</a:t>
             </a:fld>
             <a:endParaRPr lang="pt-BR"/>
           </a:p>
@@ -4818,7 +4828,7 @@
           <a:p>
             <a:fld id="{954BD786-5AF5-49DC-9045-FA446815DB20}" type="datetimeFigureOut">
               <a:rPr lang="pt-BR" smtClean="0"/>
-              <a:t>10/12/2022</a:t>
+              <a:t>12/12/2022</a:t>
             </a:fld>
             <a:endParaRPr lang="pt-BR"/>
           </a:p>
@@ -5070,7 +5080,7 @@
           <a:p>
             <a:fld id="{954BD786-5AF5-49DC-9045-FA446815DB20}" type="datetimeFigureOut">
               <a:rPr lang="pt-BR" smtClean="0"/>
-              <a:t>10/12/2022</a:t>
+              <a:t>12/12/2022</a:t>
             </a:fld>
             <a:endParaRPr lang="pt-BR"/>
           </a:p>
@@ -5281,7 +5291,7 @@
           <a:p>
             <a:fld id="{954BD786-5AF5-49DC-9045-FA446815DB20}" type="datetimeFigureOut">
               <a:rPr lang="pt-BR" smtClean="0"/>
-              <a:t>10/12/2022</a:t>
+              <a:t>12/12/2022</a:t>
             </a:fld>
             <a:endParaRPr lang="pt-BR"/>
           </a:p>
@@ -5760,7 +5770,7 @@
           <a:p>
             <a:fld id="{FB7BD717-C7D5-43BB-9F0C-DDEA8A279208}" type="datetimeFigureOut">
               <a:rPr lang="pt-BR" smtClean="0"/>
-              <a:t>10/12/2022</a:t>
+              <a:t>12/12/2022</a:t>
             </a:fld>
             <a:endParaRPr lang="pt-BR"/>
           </a:p>
@@ -6545,7 +6555,7 @@
                 <a:ea typeface="+mn-ea"/>
                 <a:cs typeface="Calibri" pitchFamily="34" charset="0"/>
               </a:rPr>
-              <a:t>Justificativa</a:t>
+              <a:t>Problema</a:t>
             </a:r>
           </a:p>
         </p:txBody>
@@ -6560,17 +6570,22 @@
             <p:ph idx="1"/>
           </p:nvPr>
         </p:nvSpPr>
-        <p:spPr/>
-        <p:txBody>
-          <a:bodyPr/>
-          <a:lstStyle/>
-          <a:p>
-            <a:pPr marL="0" indent="0">
+        <p:spPr>
+          <a:xfrm>
+            <a:off x="508000" y="3090714"/>
+            <a:ext cx="9144000" cy="3718074"/>
+          </a:xfrm>
+        </p:spPr>
+        <p:txBody>
+          <a:bodyPr/>
+          <a:lstStyle/>
+          <a:p>
+            <a:pPr marL="0" indent="0" algn="ctr">
               <a:buNone/>
             </a:pPr>
             <a:r>
               <a:rPr lang="pt-BR" dirty="0"/>
-              <a:t> Criar um projeto real para desenvolver nossas habilidades no front-end e mostrar através desse projeto também o conhecimento absorvido no curso técnico de Desenvolvimento de Sistemas.</a:t>
+              <a:t> Desenvolver um site de delivery com as principais funcionalidades e etapas de compra inspirado em grandes empresas de fast food como: Ifood, Rappi, UberEats .</a:t>
             </a:r>
           </a:p>
         </p:txBody>
@@ -6578,7 +6593,7 @@
     </p:spTree>
     <p:extLst>
       <p:ext uri="{BB962C8B-B14F-4D97-AF65-F5344CB8AC3E}">
-        <p14:creationId xmlns:p14="http://schemas.microsoft.com/office/powerpoint/2010/main" val="1231055985"/>
+        <p14:creationId xmlns:p14="http://schemas.microsoft.com/office/powerpoint/2010/main" val="372216130"/>
       </p:ext>
     </p:extLst>
   </p:cSld>
@@ -6672,7 +6687,7 @@
         <p:spPr>
           <a:xfrm>
             <a:off x="508000" y="2658666"/>
-            <a:ext cx="9144000" cy="1384722"/>
+            <a:ext cx="9324528" cy="1384722"/>
           </a:xfrm>
         </p:spPr>
         <p:txBody>
@@ -6681,11 +6696,62 @@
           <a:p>
             <a:r>
               <a:rPr lang="pt-BR" sz="3000" dirty="0"/>
-              <a:t>Projeto desenvolvido para evoluir na programação web</a:t>
-            </a:r>
-          </a:p>
-        </p:txBody>
-      </p:sp>
+              <a:t>Projeto desenvolvido para evoluir na </a:t>
+            </a:r>
+            <a:r>
+              <a:rPr lang="pt-BR" sz="3000" b="1" i="1" u="sng" dirty="0"/>
+              <a:t>programação web</a:t>
+            </a:r>
+          </a:p>
+        </p:txBody>
+      </p:sp>
+      <p:pic>
+        <p:nvPicPr>
+          <p:cNvPr id="3074" name="Picture 2" descr="Desenvolvimento Web: Por qual linguagem começar? – LucianoDEV (Blog)">
+            <a:extLst>
+              <a:ext uri="{FF2B5EF4-FFF2-40B4-BE49-F238E27FC236}">
+                <a16:creationId xmlns:a16="http://schemas.microsoft.com/office/drawing/2014/main" id="{C5846844-ECD8-4C56-A888-21D37B2C4FD9}"/>
+              </a:ext>
+            </a:extLst>
+          </p:cNvPr>
+          <p:cNvPicPr>
+            <a:picLocks noChangeAspect="1" noChangeArrowheads="1"/>
+          </p:cNvPicPr>
+          <p:nvPr/>
+        </p:nvPicPr>
+        <p:blipFill>
+          <a:blip r:embed="rId2">
+            <a:extLst>
+              <a:ext uri="{28A0092B-C50C-407E-A947-70E740481C1C}">
+                <a14:useLocalDpi xmlns:a14="http://schemas.microsoft.com/office/drawing/2010/main" val="0"/>
+              </a:ext>
+            </a:extLst>
+          </a:blip>
+          <a:srcRect/>
+          <a:stretch>
+            <a:fillRect/>
+          </a:stretch>
+        </p:blipFill>
+        <p:spPr bwMode="auto">
+          <a:xfrm>
+            <a:off x="3010024" y="4071430"/>
+            <a:ext cx="4320480" cy="2415872"/>
+          </a:xfrm>
+          <a:prstGeom prst="rect">
+            <a:avLst/>
+          </a:prstGeom>
+          <a:noFill/>
+          <a:extLst>
+            <a:ext uri="{909E8E84-426E-40DD-AFC4-6F175D3DCCD1}">
+              <a14:hiddenFill xmlns:a14="http://schemas.microsoft.com/office/drawing/2010/main">
+                <a:solidFill>
+                  <a:srgbClr val="FFFFFF"/>
+                </a:solidFill>
+              </a14:hiddenFill>
+            </a:ext>
+          </a:extLst>
+        </p:spPr>
+      </p:pic>
     </p:spTree>
     <p:extLst>
       <p:ext uri="{BB962C8B-B14F-4D97-AF65-F5344CB8AC3E}">
@@ -6810,6 +6876,239 @@
           </a:p>
         </p:txBody>
       </p:sp>
+      <p:pic>
+        <p:nvPicPr>
+          <p:cNvPr id="4098" name="Picture 2" descr="Conheça os 10 melhores sites com anúncios de vagas de emprego">
+            <a:extLst>
+              <a:ext uri="{FF2B5EF4-FFF2-40B4-BE49-F238E27FC236}">
+                <a16:creationId xmlns:a16="http://schemas.microsoft.com/office/drawing/2014/main" id="{E7B1D094-4DC4-42EA-94AC-462E0C8F2AD8}"/>
+              </a:ext>
+            </a:extLst>
+          </p:cNvPr>
+          <p:cNvPicPr>
+            <a:picLocks noChangeAspect="1" noChangeArrowheads="1"/>
+          </p:cNvPicPr>
+          <p:nvPr/>
+        </p:nvPicPr>
+        <p:blipFill>
+          <a:blip r:embed="rId2" cstate="print">
+            <a:extLst>
+              <a:ext uri="{28A0092B-C50C-407E-A947-70E740481C1C}">
+                <a14:useLocalDpi xmlns:a14="http://schemas.microsoft.com/office/drawing/2010/main" val="0"/>
+              </a:ext>
+            </a:extLst>
+          </a:blip>
+          <a:srcRect/>
+          <a:stretch>
+            <a:fillRect/>
+          </a:stretch>
+        </p:blipFill>
+        <p:spPr bwMode="auto">
+          <a:xfrm>
+            <a:off x="5728072" y="5418905"/>
+            <a:ext cx="2554978" cy="1752452"/>
+          </a:xfrm>
+          <a:prstGeom prst="rect">
+            <a:avLst/>
+          </a:prstGeom>
+          <a:noFill/>
+          <a:extLst>
+            <a:ext uri="{909E8E84-426E-40DD-AFC4-6F175D3DCCD1}">
+              <a14:hiddenFill xmlns:a14="http://schemas.microsoft.com/office/drawing/2010/main">
+                <a:solidFill>
+                  <a:srgbClr val="FFFFFF"/>
+                </a:solidFill>
+              </a14:hiddenFill>
+            </a:ext>
+          </a:extLst>
+        </p:spPr>
+      </p:pic>
+      <p:pic>
+        <p:nvPicPr>
+          <p:cNvPr id="4100" name="Picture 4" descr="Linkedin - ícones de mídia social grátis">
+            <a:extLst>
+              <a:ext uri="{FF2B5EF4-FFF2-40B4-BE49-F238E27FC236}">
+                <a16:creationId xmlns:a16="http://schemas.microsoft.com/office/drawing/2014/main" id="{E59D2D9F-ADE1-417F-ABC4-9CBC4744EC74}"/>
+              </a:ext>
+            </a:extLst>
+          </p:cNvPr>
+          <p:cNvPicPr>
+            <a:picLocks noChangeAspect="1" noChangeArrowheads="1"/>
+          </p:cNvPicPr>
+          <p:nvPr/>
+        </p:nvPicPr>
+        <p:blipFill>
+          <a:blip r:embed="rId3" cstate="print">
+            <a:extLst>
+              <a:ext uri="{28A0092B-C50C-407E-A947-70E740481C1C}">
+                <a14:useLocalDpi xmlns:a14="http://schemas.microsoft.com/office/drawing/2010/main" val="0"/>
+              </a:ext>
+            </a:extLst>
+          </a:blip>
+          <a:srcRect/>
+          <a:stretch>
+            <a:fillRect/>
+          </a:stretch>
+        </p:blipFill>
+        <p:spPr bwMode="auto">
+          <a:xfrm rot="1292376">
+            <a:off x="8031213" y="5022227"/>
+            <a:ext cx="503672" cy="503672"/>
+          </a:xfrm>
+          <a:prstGeom prst="rect">
+            <a:avLst/>
+          </a:prstGeom>
+          <a:noFill/>
+          <a:extLst>
+            <a:ext uri="{909E8E84-426E-40DD-AFC4-6F175D3DCCD1}">
+              <a14:hiddenFill xmlns:a14="http://schemas.microsoft.com/office/drawing/2010/main">
+                <a:solidFill>
+                  <a:srgbClr val="FFFFFF"/>
+                </a:solidFill>
+              </a14:hiddenFill>
+            </a:ext>
+          </a:extLst>
+        </p:spPr>
+      </p:pic>
+      <p:pic>
+        <p:nvPicPr>
+          <p:cNvPr id="4102" name="Picture 6" descr="Ficheiro:LOGO CATHO.jpg – Wikipédia, a enciclopédia livre">
+            <a:extLst>
+              <a:ext uri="{FF2B5EF4-FFF2-40B4-BE49-F238E27FC236}">
+                <a16:creationId xmlns:a16="http://schemas.microsoft.com/office/drawing/2014/main" id="{E644B55E-FAF8-4A68-B842-95166064424F}"/>
+              </a:ext>
+            </a:extLst>
+          </p:cNvPr>
+          <p:cNvPicPr>
+            <a:picLocks noChangeAspect="1" noChangeArrowheads="1"/>
+          </p:cNvPicPr>
+          <p:nvPr/>
+        </p:nvPicPr>
+        <p:blipFill>
+          <a:blip r:embed="rId4" cstate="print">
+            <a:extLst>
+              <a:ext uri="{28A0092B-C50C-407E-A947-70E740481C1C}">
+                <a14:useLocalDpi xmlns:a14="http://schemas.microsoft.com/office/drawing/2010/main" val="0"/>
+              </a:ext>
+            </a:extLst>
+          </a:blip>
+          <a:srcRect/>
+          <a:stretch>
+            <a:fillRect/>
+          </a:stretch>
+        </p:blipFill>
+        <p:spPr bwMode="auto">
+          <a:xfrm rot="20837954">
+            <a:off x="5185573" y="5096283"/>
+            <a:ext cx="1406160" cy="461836"/>
+          </a:xfrm>
+          <a:prstGeom prst="rect">
+            <a:avLst/>
+          </a:prstGeom>
+          <a:noFill/>
+          <a:extLst>
+            <a:ext uri="{909E8E84-426E-40DD-AFC4-6F175D3DCCD1}">
+              <a14:hiddenFill xmlns:a14="http://schemas.microsoft.com/office/drawing/2010/main">
+                <a:solidFill>
+                  <a:srgbClr val="FFFFFF"/>
+                </a:solidFill>
+              </a14:hiddenFill>
+            </a:ext>
+          </a:extLst>
+        </p:spPr>
+      </p:pic>
+      <p:pic>
+        <p:nvPicPr>
+          <p:cNvPr id="4104" name="Picture 8" descr="Como é trabalhar na empresa VAGAS.com | 99jobs.com">
+            <a:extLst>
+              <a:ext uri="{FF2B5EF4-FFF2-40B4-BE49-F238E27FC236}">
+                <a16:creationId xmlns:a16="http://schemas.microsoft.com/office/drawing/2014/main" id="{1CED7A7E-A952-45A2-BE8D-872C50FA48A9}"/>
+              </a:ext>
+            </a:extLst>
+          </p:cNvPr>
+          <p:cNvPicPr>
+            <a:picLocks noChangeAspect="1" noChangeArrowheads="1"/>
+          </p:cNvPicPr>
+          <p:nvPr/>
+        </p:nvPicPr>
+        <p:blipFill rotWithShape="1">
+          <a:blip r:embed="rId5">
+            <a:extLst>
+              <a:ext uri="{28A0092B-C50C-407E-A947-70E740481C1C}">
+                <a14:useLocalDpi xmlns:a14="http://schemas.microsoft.com/office/drawing/2010/main" val="0"/>
+              </a:ext>
+            </a:extLst>
+          </a:blip>
+          <a:srcRect l="7665" t="30802" r="10689" b="34847"/>
+          <a:stretch/>
+        </p:blipFill>
+        <p:spPr bwMode="auto">
+          <a:xfrm rot="20225999">
+            <a:off x="7551996" y="6963819"/>
+            <a:ext cx="1082452" cy="455426"/>
+          </a:xfrm>
+          <a:prstGeom prst="rect">
+            <a:avLst/>
+          </a:prstGeom>
+          <a:noFill/>
+          <a:extLst>
+            <a:ext uri="{909E8E84-426E-40DD-AFC4-6F175D3DCCD1}">
+              <a14:hiddenFill xmlns:a14="http://schemas.microsoft.com/office/drawing/2010/main">
+                <a:solidFill>
+                  <a:srgbClr val="FFFFFF"/>
+                </a:solidFill>
+              </a14:hiddenFill>
+            </a:ext>
+          </a:extLst>
+        </p:spPr>
+      </p:pic>
+      <p:pic>
+        <p:nvPicPr>
+          <p:cNvPr id="4108" name="Picture 12" descr="Html Dialog Element Taking Full Advantage Of Javascript - Html Css Js  Transparent, HD Png Download - kindpng">
+            <a:extLst>
+              <a:ext uri="{FF2B5EF4-FFF2-40B4-BE49-F238E27FC236}">
+                <a16:creationId xmlns:a16="http://schemas.microsoft.com/office/drawing/2014/main" id="{67127303-01B6-4EFE-9E12-179AD5D949E8}"/>
+              </a:ext>
+            </a:extLst>
+          </p:cNvPr>
+          <p:cNvPicPr>
+            <a:picLocks noChangeAspect="1" noChangeArrowheads="1"/>
+          </p:cNvPicPr>
+          <p:nvPr/>
+        </p:nvPicPr>
+        <p:blipFill>
+          <a:blip r:embed="rId6">
+            <a:extLst>
+              <a:ext uri="{28A0092B-C50C-407E-A947-70E740481C1C}">
+                <a14:useLocalDpi xmlns:a14="http://schemas.microsoft.com/office/drawing/2010/main" val="0"/>
+              </a:ext>
+            </a:extLst>
+          </a:blip>
+          <a:srcRect/>
+          <a:stretch>
+            <a:fillRect/>
+          </a:stretch>
+        </p:blipFill>
+        <p:spPr bwMode="auto">
+          <a:xfrm>
+            <a:off x="1942404" y="5441599"/>
+            <a:ext cx="1878562" cy="1421614"/>
+          </a:xfrm>
+          <a:prstGeom prst="rect">
+            <a:avLst/>
+          </a:prstGeom>
+          <a:noFill/>
+          <a:extLst>
+            <a:ext uri="{909E8E84-426E-40DD-AFC4-6F175D3DCCD1}">
+              <a14:hiddenFill xmlns:a14="http://schemas.microsoft.com/office/drawing/2010/main">
+                <a:solidFill>
+                  <a:srgbClr val="FFFFFF"/>
+                </a:solidFill>
+              </a14:hiddenFill>
+            </a:ext>
+          </a:extLst>
+        </p:spPr>
+      </p:pic>
     </p:spTree>
     <p:extLst>
       <p:ext uri="{BB962C8B-B14F-4D97-AF65-F5344CB8AC3E}">
@@ -6868,11 +7167,30 @@
                     <a:lumMod val="75000"/>
                   </a:schemeClr>
                 </a:solidFill>
-                <a:latin typeface="Calibri" pitchFamily="34" charset="0"/>
+                <a:latin typeface="Calibri" panose="020F0502020204030204" pitchFamily="34" charset="0"/>
                 <a:ea typeface="+mn-ea"/>
                 <a:cs typeface="Calibri" pitchFamily="34" charset="0"/>
               </a:rPr>
-              <a:t>Desenvolvimento</a:t>
+              <a:t>Objetivos</a:t>
+            </a:r>
+            <a:r>
+              <a:rPr lang="pt-BR" sz="3600" dirty="0">
+                <a:latin typeface="Calibri" panose="020F0502020204030204" pitchFamily="34" charset="0"/>
+              </a:rPr>
+              <a:t> </a:t>
+            </a:r>
+            <a:r>
+              <a:rPr lang="pt-BR" sz="3600" b="1" dirty="0">
+                <a:solidFill>
+                  <a:schemeClr val="accent1">
+                    <a:lumMod val="75000"/>
+                  </a:schemeClr>
+                </a:solidFill>
+                <a:latin typeface="Calibri" panose="020F0502020204030204" pitchFamily="34" charset="0"/>
+                <a:ea typeface="+mn-ea"/>
+                <a:cs typeface="Calibri" pitchFamily="34" charset="0"/>
+              </a:rPr>
+              <a:t>específicos</a:t>
             </a:r>
           </a:p>
         </p:txBody>
@@ -6887,50 +7205,64 @@
             <p:ph idx="1"/>
           </p:nvPr>
         </p:nvSpPr>
-        <p:spPr/>
+        <p:spPr>
+          <a:xfrm>
+            <a:off x="508000" y="2298626"/>
+            <a:ext cx="9144000" cy="2016224"/>
+          </a:xfrm>
+        </p:spPr>
         <p:txBody>
           <a:bodyPr/>
           <a:lstStyle/>
           <a:p>
             <a:r>
               <a:rPr lang="pt-BR" dirty="0"/>
-              <a:t>Metodologia</a:t>
-            </a:r>
-          </a:p>
-          <a:p>
-            <a:endParaRPr lang="pt-BR" dirty="0"/>
-          </a:p>
-          <a:p>
+              <a:t>Domínio da linguagem </a:t>
+            </a:r>
+            <a:r>
+              <a:rPr lang="pt-BR" dirty="0" err="1"/>
+              <a:t>JavaScript</a:t>
+            </a:r>
             <a:r>
               <a:rPr lang="pt-BR" dirty="0"/>
-              <a:t>Pesquisa de campo/Estudo de caso</a:t>
-            </a:r>
-          </a:p>
-          <a:p>
-            <a:endParaRPr lang="pt-BR" dirty="0"/>
-          </a:p>
-          <a:p>
-            <a:r>
-              <a:rPr lang="pt-BR" dirty="0"/>
-              <a:t>Discussão dos resultados</a:t>
-            </a:r>
-          </a:p>
-          <a:p>
-            <a:endParaRPr lang="pt-BR" dirty="0"/>
-          </a:p>
-          <a:p>
-            <a:r>
-              <a:rPr lang="pt-BR"/>
-              <a:t>TRELLO</a:t>
-            </a:r>
-            <a:endParaRPr lang="pt-BR" dirty="0"/>
-          </a:p>
-        </p:txBody>
-      </p:sp>
+              <a:t>.</a:t>
+            </a:r>
+          </a:p>
+        </p:txBody>
+      </p:sp>
+      <p:pic>
+        <p:nvPicPr>
+          <p:cNvPr id="4" name="Imagem 3">
+            <a:extLst>
+              <a:ext uri="{FF2B5EF4-FFF2-40B4-BE49-F238E27FC236}">
+                <a16:creationId xmlns:a16="http://schemas.microsoft.com/office/drawing/2014/main" id="{5DF8DE4A-12C5-4F06-96A4-44566D5D7DE1}"/>
+              </a:ext>
+            </a:extLst>
+          </p:cNvPr>
+          <p:cNvPicPr>
+            <a:picLocks noChangeAspect="1"/>
+          </p:cNvPicPr>
+          <p:nvPr/>
+        </p:nvPicPr>
+        <p:blipFill rotWithShape="1">
+          <a:blip r:embed="rId2"/>
+          <a:srcRect t="30160" b="17877"/>
+          <a:stretch/>
+        </p:blipFill>
+        <p:spPr>
+          <a:xfrm>
+            <a:off x="3135784" y="3234730"/>
+            <a:ext cx="3653795" cy="3960440"/>
+          </a:xfrm>
+          <a:prstGeom prst="rect">
+            <a:avLst/>
+          </a:prstGeom>
+        </p:spPr>
+      </p:pic>
     </p:spTree>
     <p:extLst>
       <p:ext uri="{BB962C8B-B14F-4D97-AF65-F5344CB8AC3E}">
-        <p14:creationId xmlns:p14="http://schemas.microsoft.com/office/powerpoint/2010/main" val="2066037714"/>
+        <p14:creationId xmlns:p14="http://schemas.microsoft.com/office/powerpoint/2010/main" val="1467522018"/>
       </p:ext>
     </p:extLst>
   </p:cSld>
@@ -6989,7 +7321,7 @@
                 <a:ea typeface="+mn-ea"/>
                 <a:cs typeface="Calibri" pitchFamily="34" charset="0"/>
               </a:rPr>
-              <a:t>Conclusão</a:t>
+              <a:t>Desenvolvimento</a:t>
             </a:r>
           </a:p>
         </p:txBody>
@@ -7009,25 +7341,958 @@
           <a:bodyPr/>
           <a:lstStyle/>
           <a:p>
+            <a:r>
+              <a:rPr lang="pt-BR" dirty="0"/>
+              <a:t>Metodologia</a:t>
+            </a:r>
+          </a:p>
+          <a:p>
+            <a:pPr lvl="1"/>
+            <a:r>
+              <a:rPr lang="pt-BR" dirty="0"/>
+              <a:t>Metodologia BEM { CSS }</a:t>
+            </a:r>
+          </a:p>
+          <a:p>
+            <a:pPr lvl="1"/>
+            <a:r>
+              <a:rPr lang="pt-BR" dirty="0"/>
+              <a:t>Scrum</a:t>
+            </a:r>
+          </a:p>
+          <a:p>
             <a:pPr marL="0" indent="0">
               <a:buNone/>
             </a:pPr>
+            <a:endParaRPr lang="pt-BR" dirty="0"/>
+          </a:p>
+          <a:p>
             <a:r>
               <a:rPr lang="pt-BR" dirty="0"/>
-              <a:t>   Projeto concluído com sucesso.</a:t>
-            </a:r>
-          </a:p>
-        </p:txBody>
-      </p:sp>
+              <a:t>Organização com</a:t>
+            </a:r>
+          </a:p>
+          <a:p>
+            <a:pPr lvl="1"/>
+            <a:r>
+              <a:rPr lang="pt-BR" dirty="0"/>
+              <a:t>TRELLO</a:t>
+            </a:r>
+          </a:p>
+          <a:p>
+            <a:pPr lvl="1"/>
+            <a:r>
+              <a:rPr lang="pt-BR" dirty="0"/>
+              <a:t>AJUSTES DIÁRIOS</a:t>
+            </a:r>
+          </a:p>
+        </p:txBody>
+      </p:sp>
+      <p:pic>
+        <p:nvPicPr>
+          <p:cNvPr id="5" name="Imagem 4">
+            <a:extLst>
+              <a:ext uri="{FF2B5EF4-FFF2-40B4-BE49-F238E27FC236}">
+                <a16:creationId xmlns:a16="http://schemas.microsoft.com/office/drawing/2014/main" id="{C4C1BE98-F33E-4542-87B7-B25DCE959223}"/>
+              </a:ext>
+            </a:extLst>
+          </p:cNvPr>
+          <p:cNvPicPr>
+            <a:picLocks noChangeAspect="1"/>
+          </p:cNvPicPr>
+          <p:nvPr/>
+        </p:nvPicPr>
+        <p:blipFill>
+          <a:blip r:embed="rId2">
+            <a:extLst>
+              <a:ext uri="{28A0092B-C50C-407E-A947-70E740481C1C}">
+                <a14:useLocalDpi xmlns:a14="http://schemas.microsoft.com/office/drawing/2010/main" val="0"/>
+              </a:ext>
+            </a:extLst>
+          </a:blip>
+          <a:stretch>
+            <a:fillRect/>
+          </a:stretch>
+        </p:blipFill>
+        <p:spPr>
+          <a:xfrm>
+            <a:off x="6520160" y="1506538"/>
+            <a:ext cx="2448272" cy="2448272"/>
+          </a:xfrm>
+          <a:prstGeom prst="rect">
+            <a:avLst/>
+          </a:prstGeom>
+          <a:ln>
+            <a:noFill/>
+          </a:ln>
+          <a:effectLst>
+            <a:outerShdw blurRad="190500" algn="tl" rotWithShape="0">
+              <a:srgbClr val="000000">
+                <a:alpha val="70000"/>
+              </a:srgbClr>
+            </a:outerShdw>
+          </a:effectLst>
+        </p:spPr>
+      </p:pic>
     </p:spTree>
     <p:extLst>
       <p:ext uri="{BB962C8B-B14F-4D97-AF65-F5344CB8AC3E}">
-        <p14:creationId xmlns:p14="http://schemas.microsoft.com/office/powerpoint/2010/main" val="2155054008"/>
+        <p14:creationId xmlns:p14="http://schemas.microsoft.com/office/powerpoint/2010/main" val="2066037714"/>
       </p:ext>
     </p:extLst>
   </p:cSld>
   <p:clrMapOvr>
     <a:masterClrMapping/>
+  </p:clrMapOvr>
+</p:sld>
+</file>
+
+<file path=ppt/slides/slide15.xml><?xml version="1.0" encoding="utf-8"?>
+<p:sld xmlns:a="http://schemas.openxmlformats.org/drawingml/2006/main" xmlns:r="http://schemas.openxmlformats.org/officeDocument/2006/relationships" xmlns:p="http://schemas.openxmlformats.org/presentationml/2006/main">
+  <p:cSld>
+    <p:bg>
+      <p:bgPr>
+        <a:blipFill>
+          <a:blip r:embed="rId3"/>
+          <a:tile tx="0" ty="0" sx="100000" sy="100000" flip="none" algn="tl"/>
+        </a:blipFill>
+        <a:effectLst/>
+      </p:bgPr>
+    </p:bg>
+    <p:spTree>
+      <p:nvGrpSpPr>
+        <p:cNvPr id="1" name=""/>
+        <p:cNvGrpSpPr/>
+        <p:nvPr/>
+      </p:nvGrpSpPr>
+      <p:grpSpPr>
+        <a:xfrm>
+          <a:off x="0" y="0"/>
+          <a:ext cx="0" cy="0"/>
+          <a:chOff x="0" y="0"/>
+          <a:chExt cx="0" cy="0"/>
+        </a:xfrm>
+      </p:grpSpPr>
+      <p:sp>
+        <p:nvSpPr>
+          <p:cNvPr id="4" name="Subtítulo 3">
+            <a:extLst>
+              <a:ext uri="{FF2B5EF4-FFF2-40B4-BE49-F238E27FC236}">
+                <a16:creationId xmlns:a16="http://schemas.microsoft.com/office/drawing/2014/main" id="{F09B3965-3B4F-5150-E870-12D37597F03B}"/>
+              </a:ext>
+            </a:extLst>
+          </p:cNvPr>
+          <p:cNvSpPr>
+            <a:spLocks noGrp="1"/>
+          </p:cNvSpPr>
+          <p:nvPr>
+            <p:ph type="subTitle" idx="1"/>
+          </p:nvPr>
+        </p:nvSpPr>
+        <p:spPr>
+          <a:xfrm>
+            <a:off x="1524000" y="3027470"/>
+            <a:ext cx="7112000" cy="1947739"/>
+          </a:xfrm>
+        </p:spPr>
+        <p:txBody>
+          <a:bodyPr/>
+          <a:lstStyle/>
+          <a:p>
+            <a:r>
+              <a:rPr lang="pt-BR" sz="5300" b="1" dirty="0">
+                <a:solidFill>
+                  <a:schemeClr val="bg1"/>
+                </a:solidFill>
+                <a:latin typeface="Calibri" pitchFamily="34" charset="0"/>
+                <a:cs typeface="Calibri" pitchFamily="34" charset="0"/>
+              </a:rPr>
+              <a:t>Diferenciais </a:t>
+            </a:r>
+          </a:p>
+        </p:txBody>
+      </p:sp>
+    </p:spTree>
+    <p:extLst>
+      <p:ext uri="{BB962C8B-B14F-4D97-AF65-F5344CB8AC3E}">
+        <p14:creationId xmlns:p14="http://schemas.microsoft.com/office/powerpoint/2010/main" val="2659362010"/>
+      </p:ext>
+    </p:extLst>
+  </p:cSld>
+  <p:clrMapOvr>
+    <a:overrideClrMapping bg1="lt1" tx1="dk1" bg2="lt2" tx2="dk2" accent1="accent1" accent2="accent2" accent3="accent3" accent4="accent4" accent5="accent5" accent6="accent6" hlink="hlink" folHlink="folHlink"/>
+  </p:clrMapOvr>
+</p:sld>
+</file>
+
+<file path=ppt/slides/slide16.xml><?xml version="1.0" encoding="utf-8"?>
+<p:sld xmlns:a="http://schemas.openxmlformats.org/drawingml/2006/main" xmlns:r="http://schemas.openxmlformats.org/officeDocument/2006/relationships" xmlns:p="http://schemas.openxmlformats.org/presentationml/2006/main">
+  <p:cSld>
+    <p:bg>
+      <p:bgRef idx="1001">
+        <a:schemeClr val="bg1"/>
+      </p:bgRef>
+    </p:bg>
+    <p:spTree>
+      <p:nvGrpSpPr>
+        <p:cNvPr id="1" name=""/>
+        <p:cNvGrpSpPr/>
+        <p:nvPr/>
+      </p:nvGrpSpPr>
+      <p:grpSpPr>
+        <a:xfrm>
+          <a:off x="0" y="0"/>
+          <a:ext cx="0" cy="0"/>
+          <a:chOff x="0" y="0"/>
+          <a:chExt cx="0" cy="0"/>
+        </a:xfrm>
+      </p:grpSpPr>
+      <p:sp>
+        <p:nvSpPr>
+          <p:cNvPr id="2" name="Título 1"/>
+          <p:cNvSpPr>
+            <a:spLocks noGrp="1"/>
+          </p:cNvSpPr>
+          <p:nvPr>
+            <p:ph type="title"/>
+          </p:nvPr>
+        </p:nvSpPr>
+        <p:spPr>
+          <a:xfrm>
+            <a:off x="508000" y="858466"/>
+            <a:ext cx="9144000" cy="716334"/>
+          </a:xfrm>
+        </p:spPr>
+        <p:txBody>
+          <a:bodyPr/>
+          <a:lstStyle/>
+          <a:p>
+            <a:pPr algn="l"/>
+            <a:r>
+              <a:rPr lang="pt-BR" sz="3600" b="1" dirty="0">
+                <a:solidFill>
+                  <a:schemeClr val="accent1">
+                    <a:lumMod val="75000"/>
+                  </a:schemeClr>
+                </a:solidFill>
+                <a:latin typeface="Calibri" pitchFamily="34" charset="0"/>
+                <a:ea typeface="+mn-ea"/>
+                <a:cs typeface="Calibri" pitchFamily="34" charset="0"/>
+              </a:rPr>
+              <a:t>Diferenciais</a:t>
+            </a:r>
+          </a:p>
+        </p:txBody>
+      </p:sp>
+      <p:sp>
+        <p:nvSpPr>
+          <p:cNvPr id="6" name="Retângulo 5">
+            <a:extLst>
+              <a:ext uri="{FF2B5EF4-FFF2-40B4-BE49-F238E27FC236}">
+                <a16:creationId xmlns:a16="http://schemas.microsoft.com/office/drawing/2014/main" id="{654EA27E-5531-5C81-564C-690E88B22D6F}"/>
+              </a:ext>
+            </a:extLst>
+          </p:cNvPr>
+          <p:cNvSpPr/>
+          <p:nvPr/>
+        </p:nvSpPr>
+        <p:spPr>
+          <a:xfrm>
+            <a:off x="0" y="1574800"/>
+            <a:ext cx="9832528" cy="75754"/>
+          </a:xfrm>
+          <a:prstGeom prst="rect">
+            <a:avLst/>
+          </a:prstGeom>
+          <a:ln>
+            <a:solidFill>
+              <a:schemeClr val="accent1"/>
+            </a:solidFill>
+          </a:ln>
+        </p:spPr>
+        <p:style>
+          <a:lnRef idx="2">
+            <a:schemeClr val="accent1">
+              <a:shade val="50000"/>
+            </a:schemeClr>
+          </a:lnRef>
+          <a:fillRef idx="1">
+            <a:schemeClr val="accent1"/>
+          </a:fillRef>
+          <a:effectRef idx="0">
+            <a:schemeClr val="accent1"/>
+          </a:effectRef>
+          <a:fontRef idx="minor">
+            <a:schemeClr val="lt1"/>
+          </a:fontRef>
+        </p:style>
+        <p:txBody>
+          <a:bodyPr rtlCol="0" anchor="ctr"/>
+          <a:lstStyle/>
+          <a:p>
+            <a:pPr algn="ctr"/>
+            <a:endParaRPr lang="pt-BR"/>
+          </a:p>
+        </p:txBody>
+      </p:sp>
+      <p:pic>
+        <p:nvPicPr>
+          <p:cNvPr id="8" name="Imagem 7">
+            <a:extLst>
+              <a:ext uri="{FF2B5EF4-FFF2-40B4-BE49-F238E27FC236}">
+                <a16:creationId xmlns:a16="http://schemas.microsoft.com/office/drawing/2014/main" id="{FA3EE45C-DE5F-41F1-871F-5F443CC867A9}"/>
+              </a:ext>
+            </a:extLst>
+          </p:cNvPr>
+          <p:cNvPicPr>
+            <a:picLocks noChangeAspect="1"/>
+          </p:cNvPicPr>
+          <p:nvPr/>
+        </p:nvPicPr>
+        <p:blipFill>
+          <a:blip r:embed="rId3"/>
+          <a:stretch>
+            <a:fillRect/>
+          </a:stretch>
+        </p:blipFill>
+        <p:spPr>
+          <a:xfrm>
+            <a:off x="975544" y="3450754"/>
+            <a:ext cx="8620125" cy="2047875"/>
+          </a:xfrm>
+          <a:prstGeom prst="rect">
+            <a:avLst/>
+          </a:prstGeom>
+        </p:spPr>
+      </p:pic>
+      <p:sp>
+        <p:nvSpPr>
+          <p:cNvPr id="11" name="Seta: para a Direita 10">
+            <a:extLst>
+              <a:ext uri="{FF2B5EF4-FFF2-40B4-BE49-F238E27FC236}">
+                <a16:creationId xmlns:a16="http://schemas.microsoft.com/office/drawing/2014/main" id="{E75B6FEC-5FEF-4BC4-AC35-8A22D6B40407}"/>
+              </a:ext>
+            </a:extLst>
+          </p:cNvPr>
+          <p:cNvSpPr/>
+          <p:nvPr/>
+        </p:nvSpPr>
+        <p:spPr>
+          <a:xfrm rot="1929734">
+            <a:off x="6572820" y="2346687"/>
+            <a:ext cx="1872208" cy="1008112"/>
+          </a:xfrm>
+          <a:prstGeom prst="rightArrow">
+            <a:avLst>
+              <a:gd name="adj1" fmla="val 36075"/>
+              <a:gd name="adj2" fmla="val 61955"/>
+            </a:avLst>
+          </a:prstGeom>
+        </p:spPr>
+        <p:style>
+          <a:lnRef idx="3">
+            <a:schemeClr val="lt1"/>
+          </a:lnRef>
+          <a:fillRef idx="1">
+            <a:schemeClr val="dk1"/>
+          </a:fillRef>
+          <a:effectRef idx="1">
+            <a:schemeClr val="dk1"/>
+          </a:effectRef>
+          <a:fontRef idx="minor">
+            <a:schemeClr val="lt1"/>
+          </a:fontRef>
+        </p:style>
+        <p:txBody>
+          <a:bodyPr rtlCol="0" anchor="ctr"/>
+          <a:lstStyle/>
+          <a:p>
+            <a:pPr algn="ctr"/>
+            <a:endParaRPr lang="pt-BR"/>
+          </a:p>
+        </p:txBody>
+      </p:sp>
+    </p:spTree>
+    <p:extLst>
+      <p:ext uri="{BB962C8B-B14F-4D97-AF65-F5344CB8AC3E}">
+        <p14:creationId xmlns:p14="http://schemas.microsoft.com/office/powerpoint/2010/main" val="2705312688"/>
+      </p:ext>
+    </p:extLst>
+  </p:cSld>
+  <p:clrMapOvr>
+    <a:overrideClrMapping bg1="lt1" tx1="dk1" bg2="lt2" tx2="dk2" accent1="accent1" accent2="accent2" accent3="accent3" accent4="accent4" accent5="accent5" accent6="accent6" hlink="hlink" folHlink="folHlink"/>
+  </p:clrMapOvr>
+</p:sld>
+</file>
+
+<file path=ppt/slides/slide17.xml><?xml version="1.0" encoding="utf-8"?>
+<p:sld xmlns:a="http://schemas.openxmlformats.org/drawingml/2006/main" xmlns:r="http://schemas.openxmlformats.org/officeDocument/2006/relationships" xmlns:p="http://schemas.openxmlformats.org/presentationml/2006/main">
+  <p:cSld>
+    <p:bg>
+      <p:bgRef idx="1001">
+        <a:schemeClr val="bg1"/>
+      </p:bgRef>
+    </p:bg>
+    <p:spTree>
+      <p:nvGrpSpPr>
+        <p:cNvPr id="1" name=""/>
+        <p:cNvGrpSpPr/>
+        <p:nvPr/>
+      </p:nvGrpSpPr>
+      <p:grpSpPr>
+        <a:xfrm>
+          <a:off x="0" y="0"/>
+          <a:ext cx="0" cy="0"/>
+          <a:chOff x="0" y="0"/>
+          <a:chExt cx="0" cy="0"/>
+        </a:xfrm>
+      </p:grpSpPr>
+      <p:sp>
+        <p:nvSpPr>
+          <p:cNvPr id="2" name="Título 1"/>
+          <p:cNvSpPr>
+            <a:spLocks noGrp="1"/>
+          </p:cNvSpPr>
+          <p:nvPr>
+            <p:ph type="title"/>
+          </p:nvPr>
+        </p:nvSpPr>
+        <p:spPr>
+          <a:xfrm>
+            <a:off x="508000" y="858466"/>
+            <a:ext cx="9144000" cy="716334"/>
+          </a:xfrm>
+        </p:spPr>
+        <p:txBody>
+          <a:bodyPr/>
+          <a:lstStyle/>
+          <a:p>
+            <a:pPr algn="l"/>
+            <a:r>
+              <a:rPr lang="pt-BR" sz="3600" b="1" dirty="0">
+                <a:solidFill>
+                  <a:schemeClr val="accent1">
+                    <a:lumMod val="75000"/>
+                  </a:schemeClr>
+                </a:solidFill>
+                <a:latin typeface="Calibri" pitchFamily="34" charset="0"/>
+                <a:ea typeface="+mn-ea"/>
+                <a:cs typeface="Calibri" pitchFamily="34" charset="0"/>
+              </a:rPr>
+              <a:t>Curiosidades</a:t>
+            </a:r>
+          </a:p>
+        </p:txBody>
+      </p:sp>
+      <p:sp>
+        <p:nvSpPr>
+          <p:cNvPr id="6" name="Retângulo 5">
+            <a:extLst>
+              <a:ext uri="{FF2B5EF4-FFF2-40B4-BE49-F238E27FC236}">
+                <a16:creationId xmlns:a16="http://schemas.microsoft.com/office/drawing/2014/main" id="{654EA27E-5531-5C81-564C-690E88B22D6F}"/>
+              </a:ext>
+            </a:extLst>
+          </p:cNvPr>
+          <p:cNvSpPr/>
+          <p:nvPr/>
+        </p:nvSpPr>
+        <p:spPr>
+          <a:xfrm>
+            <a:off x="0" y="1574800"/>
+            <a:ext cx="9832528" cy="75754"/>
+          </a:xfrm>
+          <a:prstGeom prst="rect">
+            <a:avLst/>
+          </a:prstGeom>
+          <a:ln>
+            <a:solidFill>
+              <a:schemeClr val="accent1"/>
+            </a:solidFill>
+          </a:ln>
+        </p:spPr>
+        <p:style>
+          <a:lnRef idx="2">
+            <a:schemeClr val="accent1">
+              <a:shade val="50000"/>
+            </a:schemeClr>
+          </a:lnRef>
+          <a:fillRef idx="1">
+            <a:schemeClr val="accent1"/>
+          </a:fillRef>
+          <a:effectRef idx="0">
+            <a:schemeClr val="accent1"/>
+          </a:effectRef>
+          <a:fontRef idx="minor">
+            <a:schemeClr val="lt1"/>
+          </a:fontRef>
+        </p:style>
+        <p:txBody>
+          <a:bodyPr rtlCol="0" anchor="ctr"/>
+          <a:lstStyle/>
+          <a:p>
+            <a:pPr algn="ctr"/>
+            <a:endParaRPr lang="pt-BR"/>
+          </a:p>
+        </p:txBody>
+      </p:sp>
+      <p:pic>
+        <p:nvPicPr>
+          <p:cNvPr id="5" name="Imagem 4">
+            <a:extLst>
+              <a:ext uri="{FF2B5EF4-FFF2-40B4-BE49-F238E27FC236}">
+                <a16:creationId xmlns:a16="http://schemas.microsoft.com/office/drawing/2014/main" id="{BA3056D5-39A9-4F87-A95F-DCA248811C5E}"/>
+              </a:ext>
+            </a:extLst>
+          </p:cNvPr>
+          <p:cNvPicPr>
+            <a:picLocks noChangeAspect="1"/>
+          </p:cNvPicPr>
+          <p:nvPr/>
+        </p:nvPicPr>
+        <p:blipFill rotWithShape="1">
+          <a:blip r:embed="rId3"/>
+          <a:srcRect b="69890"/>
+          <a:stretch/>
+        </p:blipFill>
+        <p:spPr>
+          <a:xfrm>
+            <a:off x="3253102" y="2154610"/>
+            <a:ext cx="3653795" cy="2294880"/>
+          </a:xfrm>
+          <a:prstGeom prst="rect">
+            <a:avLst/>
+          </a:prstGeom>
+        </p:spPr>
+      </p:pic>
+      <p:pic>
+        <p:nvPicPr>
+          <p:cNvPr id="10" name="Imagem 9">
+            <a:extLst>
+              <a:ext uri="{FF2B5EF4-FFF2-40B4-BE49-F238E27FC236}">
+                <a16:creationId xmlns:a16="http://schemas.microsoft.com/office/drawing/2014/main" id="{96D9E384-1D71-4B01-9A26-77E5B5AFC94E}"/>
+              </a:ext>
+            </a:extLst>
+          </p:cNvPr>
+          <p:cNvPicPr>
+            <a:picLocks noChangeAspect="1"/>
+          </p:cNvPicPr>
+          <p:nvPr/>
+        </p:nvPicPr>
+        <p:blipFill rotWithShape="1">
+          <a:blip r:embed="rId3"/>
+          <a:srcRect t="82123"/>
+          <a:stretch/>
+        </p:blipFill>
+        <p:spPr>
+          <a:xfrm>
+            <a:off x="3191935" y="4530874"/>
+            <a:ext cx="3653795" cy="1362522"/>
+          </a:xfrm>
+          <a:prstGeom prst="rect">
+            <a:avLst/>
+          </a:prstGeom>
+        </p:spPr>
+      </p:pic>
+    </p:spTree>
+    <p:extLst>
+      <p:ext uri="{BB962C8B-B14F-4D97-AF65-F5344CB8AC3E}">
+        <p14:creationId xmlns:p14="http://schemas.microsoft.com/office/powerpoint/2010/main" val="1441735119"/>
+      </p:ext>
+    </p:extLst>
+  </p:cSld>
+  <p:clrMapOvr>
+    <a:overrideClrMapping bg1="lt1" tx1="dk1" bg2="lt2" tx2="dk2" accent1="accent1" accent2="accent2" accent3="accent3" accent4="accent4" accent5="accent5" accent6="accent6" hlink="hlink" folHlink="folHlink"/>
+  </p:clrMapOvr>
+</p:sld>
+</file>
+
+<file path=ppt/slides/slide18.xml><?xml version="1.0" encoding="utf-8"?>
+<p:sld xmlns:a="http://schemas.openxmlformats.org/drawingml/2006/main" xmlns:r="http://schemas.openxmlformats.org/officeDocument/2006/relationships" xmlns:p="http://schemas.openxmlformats.org/presentationml/2006/main">
+  <p:cSld>
+    <p:bg>
+      <p:bgRef idx="1001">
+        <a:schemeClr val="bg1"/>
+      </p:bgRef>
+    </p:bg>
+    <p:spTree>
+      <p:nvGrpSpPr>
+        <p:cNvPr id="1" name=""/>
+        <p:cNvGrpSpPr/>
+        <p:nvPr/>
+      </p:nvGrpSpPr>
+      <p:grpSpPr>
+        <a:xfrm>
+          <a:off x="0" y="0"/>
+          <a:ext cx="0" cy="0"/>
+          <a:chOff x="0" y="0"/>
+          <a:chExt cx="0" cy="0"/>
+        </a:xfrm>
+      </p:grpSpPr>
+      <p:sp>
+        <p:nvSpPr>
+          <p:cNvPr id="2" name="Título 1"/>
+          <p:cNvSpPr>
+            <a:spLocks noGrp="1"/>
+          </p:cNvSpPr>
+          <p:nvPr>
+            <p:ph type="title"/>
+          </p:nvPr>
+        </p:nvSpPr>
+        <p:spPr>
+          <a:xfrm>
+            <a:off x="508000" y="858466"/>
+            <a:ext cx="9144000" cy="716334"/>
+          </a:xfrm>
+        </p:spPr>
+        <p:txBody>
+          <a:bodyPr/>
+          <a:lstStyle/>
+          <a:p>
+            <a:pPr algn="l"/>
+            <a:r>
+              <a:rPr lang="pt-BR" sz="3600" b="1" dirty="0">
+                <a:solidFill>
+                  <a:schemeClr val="accent1">
+                    <a:lumMod val="75000"/>
+                  </a:schemeClr>
+                </a:solidFill>
+                <a:latin typeface="Calibri" pitchFamily="34" charset="0"/>
+                <a:ea typeface="+mn-ea"/>
+                <a:cs typeface="Calibri" pitchFamily="34" charset="0"/>
+              </a:rPr>
+              <a:t>Curiosidades HTML</a:t>
+            </a:r>
+          </a:p>
+        </p:txBody>
+      </p:sp>
+      <p:sp>
+        <p:nvSpPr>
+          <p:cNvPr id="6" name="Retângulo 5">
+            <a:extLst>
+              <a:ext uri="{FF2B5EF4-FFF2-40B4-BE49-F238E27FC236}">
+                <a16:creationId xmlns:a16="http://schemas.microsoft.com/office/drawing/2014/main" id="{654EA27E-5531-5C81-564C-690E88B22D6F}"/>
+              </a:ext>
+            </a:extLst>
+          </p:cNvPr>
+          <p:cNvSpPr/>
+          <p:nvPr/>
+        </p:nvSpPr>
+        <p:spPr>
+          <a:xfrm>
+            <a:off x="0" y="1574800"/>
+            <a:ext cx="9832528" cy="75754"/>
+          </a:xfrm>
+          <a:prstGeom prst="rect">
+            <a:avLst/>
+          </a:prstGeom>
+          <a:ln>
+            <a:solidFill>
+              <a:schemeClr val="accent1"/>
+            </a:solidFill>
+          </a:ln>
+        </p:spPr>
+        <p:style>
+          <a:lnRef idx="2">
+            <a:schemeClr val="accent1">
+              <a:shade val="50000"/>
+            </a:schemeClr>
+          </a:lnRef>
+          <a:fillRef idx="1">
+            <a:schemeClr val="accent1"/>
+          </a:fillRef>
+          <a:effectRef idx="0">
+            <a:schemeClr val="accent1"/>
+          </a:effectRef>
+          <a:fontRef idx="minor">
+            <a:schemeClr val="lt1"/>
+          </a:fontRef>
+        </p:style>
+        <p:txBody>
+          <a:bodyPr rtlCol="0" anchor="ctr"/>
+          <a:lstStyle/>
+          <a:p>
+            <a:pPr algn="ctr"/>
+            <a:endParaRPr lang="pt-BR"/>
+          </a:p>
+        </p:txBody>
+      </p:sp>
+      <p:sp>
+        <p:nvSpPr>
+          <p:cNvPr id="3" name="Retângulo 2">
+            <a:extLst>
+              <a:ext uri="{FF2B5EF4-FFF2-40B4-BE49-F238E27FC236}">
+                <a16:creationId xmlns:a16="http://schemas.microsoft.com/office/drawing/2014/main" id="{90C1EA55-8E79-4C43-9E18-807B6C0C9E83}"/>
+              </a:ext>
+            </a:extLst>
+          </p:cNvPr>
+          <p:cNvSpPr/>
+          <p:nvPr/>
+        </p:nvSpPr>
+        <p:spPr>
+          <a:xfrm>
+            <a:off x="318960" y="3349129"/>
+            <a:ext cx="9522094" cy="923330"/>
+          </a:xfrm>
+          <a:prstGeom prst="rect">
+            <a:avLst/>
+          </a:prstGeom>
+          <a:noFill/>
+        </p:spPr>
+        <p:txBody>
+          <a:bodyPr wrap="none" lIns="91440" tIns="45720" rIns="91440" bIns="45720">
+            <a:spAutoFit/>
+          </a:bodyPr>
+          <a:lstStyle/>
+          <a:p>
+            <a:pPr algn="ctr"/>
+            <a:r>
+              <a:rPr lang="pt-BR" sz="5400" b="0" cap="none" spc="0" dirty="0">
+                <a:ln w="0"/>
+                <a:solidFill>
+                  <a:schemeClr val="tx1"/>
+                </a:solidFill>
+                <a:effectLst>
+                  <a:outerShdw blurRad="38100" dist="19050" dir="2700000" algn="tl" rotWithShape="0">
+                    <a:schemeClr val="dk1">
+                      <a:alpha val="40000"/>
+                    </a:schemeClr>
+                  </a:outerShdw>
+                </a:effectLst>
+              </a:rPr>
+              <a:t>Mais de 1.000 linhas feitas a mão</a:t>
+            </a:r>
+          </a:p>
+        </p:txBody>
+      </p:sp>
+      <p:sp>
+        <p:nvSpPr>
+          <p:cNvPr id="7" name="Retângulo 6">
+            <a:extLst>
+              <a:ext uri="{FF2B5EF4-FFF2-40B4-BE49-F238E27FC236}">
+                <a16:creationId xmlns:a16="http://schemas.microsoft.com/office/drawing/2014/main" id="{26A1A6BF-CBF0-4A41-84CA-347BE912CE32}"/>
+              </a:ext>
+            </a:extLst>
+          </p:cNvPr>
+          <p:cNvSpPr/>
+          <p:nvPr/>
+        </p:nvSpPr>
+        <p:spPr>
+          <a:xfrm>
+            <a:off x="955681" y="4299284"/>
+            <a:ext cx="8254119" cy="1754326"/>
+          </a:xfrm>
+          <a:prstGeom prst="rect">
+            <a:avLst/>
+          </a:prstGeom>
+          <a:noFill/>
+        </p:spPr>
+        <p:txBody>
+          <a:bodyPr wrap="none" lIns="91440" tIns="45720" rIns="91440" bIns="45720">
+            <a:spAutoFit/>
+          </a:bodyPr>
+          <a:lstStyle/>
+          <a:p>
+            <a:pPr algn="ctr"/>
+            <a:r>
+              <a:rPr lang="pt-BR" sz="5400" b="0" cap="none" spc="0" dirty="0">
+                <a:ln w="0"/>
+                <a:solidFill>
+                  <a:schemeClr val="tx1"/>
+                </a:solidFill>
+                <a:effectLst>
+                  <a:outerShdw blurRad="38100" dist="19050" dir="2700000" algn="tl" rotWithShape="0">
+                    <a:schemeClr val="dk1">
+                      <a:alpha val="40000"/>
+                    </a:schemeClr>
+                  </a:outerShdw>
+                </a:effectLst>
+              </a:rPr>
+              <a:t>Senado responsável por 38%</a:t>
+            </a:r>
+          </a:p>
+          <a:p>
+            <a:pPr algn="ctr"/>
+            <a:r>
+              <a:rPr lang="pt-BR" sz="5400" b="0" cap="none" spc="0" dirty="0">
+                <a:ln w="0"/>
+                <a:solidFill>
+                  <a:schemeClr val="tx1"/>
+                </a:solidFill>
+                <a:effectLst>
+                  <a:outerShdw blurRad="38100" dist="19050" dir="2700000" algn="tl" rotWithShape="0">
+                    <a:schemeClr val="dk1">
+                      <a:alpha val="40000"/>
+                    </a:schemeClr>
+                  </a:outerShdw>
+                </a:effectLst>
+              </a:rPr>
+              <a:t>Do código </a:t>
+            </a:r>
+          </a:p>
+        </p:txBody>
+      </p:sp>
+    </p:spTree>
+    <p:extLst>
+      <p:ext uri="{BB962C8B-B14F-4D97-AF65-F5344CB8AC3E}">
+        <p14:creationId xmlns:p14="http://schemas.microsoft.com/office/powerpoint/2010/main" val="2867046593"/>
+      </p:ext>
+    </p:extLst>
+  </p:cSld>
+  <p:clrMapOvr>
+    <a:overrideClrMapping bg1="lt1" tx1="dk1" bg2="lt2" tx2="dk2" accent1="accent1" accent2="accent2" accent3="accent3" accent4="accent4" accent5="accent5" accent6="accent6" hlink="hlink" folHlink="folHlink"/>
+  </p:clrMapOvr>
+</p:sld>
+</file>
+
+<file path=ppt/slides/slide19.xml><?xml version="1.0" encoding="utf-8"?>
+<p:sld xmlns:a="http://schemas.openxmlformats.org/drawingml/2006/main" xmlns:r="http://schemas.openxmlformats.org/officeDocument/2006/relationships" xmlns:p="http://schemas.openxmlformats.org/presentationml/2006/main">
+  <p:cSld>
+    <p:bg>
+      <p:bgRef idx="1001">
+        <a:schemeClr val="bg1"/>
+      </p:bgRef>
+    </p:bg>
+    <p:spTree>
+      <p:nvGrpSpPr>
+        <p:cNvPr id="1" name=""/>
+        <p:cNvGrpSpPr/>
+        <p:nvPr/>
+      </p:nvGrpSpPr>
+      <p:grpSpPr>
+        <a:xfrm>
+          <a:off x="0" y="0"/>
+          <a:ext cx="0" cy="0"/>
+          <a:chOff x="0" y="0"/>
+          <a:chExt cx="0" cy="0"/>
+        </a:xfrm>
+      </p:grpSpPr>
+      <p:sp>
+        <p:nvSpPr>
+          <p:cNvPr id="2" name="Título 1"/>
+          <p:cNvSpPr>
+            <a:spLocks noGrp="1"/>
+          </p:cNvSpPr>
+          <p:nvPr>
+            <p:ph type="title"/>
+          </p:nvPr>
+        </p:nvSpPr>
+        <p:spPr>
+          <a:xfrm>
+            <a:off x="508000" y="858466"/>
+            <a:ext cx="9144000" cy="716334"/>
+          </a:xfrm>
+        </p:spPr>
+        <p:txBody>
+          <a:bodyPr/>
+          <a:lstStyle/>
+          <a:p>
+            <a:pPr algn="l"/>
+            <a:r>
+              <a:rPr lang="pt-BR" sz="3600" b="1" dirty="0">
+                <a:solidFill>
+                  <a:schemeClr val="accent1">
+                    <a:lumMod val="75000"/>
+                  </a:schemeClr>
+                </a:solidFill>
+                <a:latin typeface="Calibri" pitchFamily="34" charset="0"/>
+                <a:ea typeface="+mn-ea"/>
+                <a:cs typeface="Calibri" pitchFamily="34" charset="0"/>
+              </a:rPr>
+              <a:t>Curiosidades</a:t>
+            </a:r>
+          </a:p>
+        </p:txBody>
+      </p:sp>
+      <p:sp>
+        <p:nvSpPr>
+          <p:cNvPr id="6" name="Retângulo 5">
+            <a:extLst>
+              <a:ext uri="{FF2B5EF4-FFF2-40B4-BE49-F238E27FC236}">
+                <a16:creationId xmlns:a16="http://schemas.microsoft.com/office/drawing/2014/main" id="{654EA27E-5531-5C81-564C-690E88B22D6F}"/>
+              </a:ext>
+            </a:extLst>
+          </p:cNvPr>
+          <p:cNvSpPr/>
+          <p:nvPr/>
+        </p:nvSpPr>
+        <p:spPr>
+          <a:xfrm>
+            <a:off x="0" y="1574800"/>
+            <a:ext cx="9832528" cy="75754"/>
+          </a:xfrm>
+          <a:prstGeom prst="rect">
+            <a:avLst/>
+          </a:prstGeom>
+          <a:ln>
+            <a:solidFill>
+              <a:schemeClr val="accent1"/>
+            </a:solidFill>
+          </a:ln>
+        </p:spPr>
+        <p:style>
+          <a:lnRef idx="2">
+            <a:schemeClr val="accent1">
+              <a:shade val="50000"/>
+            </a:schemeClr>
+          </a:lnRef>
+          <a:fillRef idx="1">
+            <a:schemeClr val="accent1"/>
+          </a:fillRef>
+          <a:effectRef idx="0">
+            <a:schemeClr val="accent1"/>
+          </a:effectRef>
+          <a:fontRef idx="minor">
+            <a:schemeClr val="lt1"/>
+          </a:fontRef>
+        </p:style>
+        <p:txBody>
+          <a:bodyPr rtlCol="0" anchor="ctr"/>
+          <a:lstStyle/>
+          <a:p>
+            <a:pPr algn="ctr"/>
+            <a:endParaRPr lang="pt-BR"/>
+          </a:p>
+        </p:txBody>
+      </p:sp>
+      <p:pic>
+        <p:nvPicPr>
+          <p:cNvPr id="4" name="Imagem 3">
+            <a:extLst>
+              <a:ext uri="{FF2B5EF4-FFF2-40B4-BE49-F238E27FC236}">
+                <a16:creationId xmlns:a16="http://schemas.microsoft.com/office/drawing/2014/main" id="{23A34EC6-05E3-42D2-B31F-121A7CBCBF50}"/>
+              </a:ext>
+            </a:extLst>
+          </p:cNvPr>
+          <p:cNvPicPr>
+            <a:picLocks noChangeAspect="1"/>
+          </p:cNvPicPr>
+          <p:nvPr/>
+        </p:nvPicPr>
+        <p:blipFill>
+          <a:blip r:embed="rId3"/>
+          <a:stretch>
+            <a:fillRect/>
+          </a:stretch>
+        </p:blipFill>
+        <p:spPr>
+          <a:xfrm>
+            <a:off x="2858500" y="3018706"/>
+            <a:ext cx="4443000" cy="1872208"/>
+          </a:xfrm>
+          <a:prstGeom prst="rect">
+            <a:avLst/>
+          </a:prstGeom>
+        </p:spPr>
+      </p:pic>
+    </p:spTree>
+    <p:extLst>
+      <p:ext uri="{BB962C8B-B14F-4D97-AF65-F5344CB8AC3E}">
+        <p14:creationId xmlns:p14="http://schemas.microsoft.com/office/powerpoint/2010/main" val="1243464243"/>
+      </p:ext>
+    </p:extLst>
+  </p:cSld>
+  <p:clrMapOvr>
+    <a:overrideClrMapping bg1="lt1" tx1="dk1" bg2="lt2" tx2="dk2" accent1="accent1" accent2="accent2" accent3="accent3" accent4="accent4" accent5="accent5" accent6="accent6" hlink="hlink" folHlink="folHlink"/>
   </p:clrMapOvr>
 </p:sld>
 </file>
@@ -7098,7 +8363,7 @@
         </p:nvSpPr>
         <p:spPr>
           <a:xfrm>
-            <a:off x="508000" y="1778000"/>
+            <a:off x="508000" y="2794397"/>
             <a:ext cx="9144000" cy="2032794"/>
           </a:xfrm>
         </p:spPr>
@@ -7106,7 +8371,7 @@
           <a:bodyPr/>
           <a:lstStyle/>
           <a:p>
-            <a:pPr marL="0" indent="0">
+            <a:pPr marL="0" indent="0" algn="ctr">
               <a:buNone/>
             </a:pPr>
             <a:r>
@@ -7127,6 +8392,764 @@
   </p:cSld>
   <p:clrMapOvr>
     <a:masterClrMapping/>
+  </p:clrMapOvr>
+</p:sld>
+</file>
+
+<file path=ppt/slides/slide20.xml><?xml version="1.0" encoding="utf-8"?>
+<p:sld xmlns:a="http://schemas.openxmlformats.org/drawingml/2006/main" xmlns:r="http://schemas.openxmlformats.org/officeDocument/2006/relationships" xmlns:p="http://schemas.openxmlformats.org/presentationml/2006/main">
+  <p:cSld>
+    <p:bg>
+      <p:bgRef idx="1001">
+        <a:schemeClr val="bg1"/>
+      </p:bgRef>
+    </p:bg>
+    <p:spTree>
+      <p:nvGrpSpPr>
+        <p:cNvPr id="1" name=""/>
+        <p:cNvGrpSpPr/>
+        <p:nvPr/>
+      </p:nvGrpSpPr>
+      <p:grpSpPr>
+        <a:xfrm>
+          <a:off x="0" y="0"/>
+          <a:ext cx="0" cy="0"/>
+          <a:chOff x="0" y="0"/>
+          <a:chExt cx="0" cy="0"/>
+        </a:xfrm>
+      </p:grpSpPr>
+      <p:sp>
+        <p:nvSpPr>
+          <p:cNvPr id="2" name="Título 1"/>
+          <p:cNvSpPr>
+            <a:spLocks noGrp="1"/>
+          </p:cNvSpPr>
+          <p:nvPr>
+            <p:ph type="title"/>
+          </p:nvPr>
+        </p:nvSpPr>
+        <p:spPr>
+          <a:xfrm>
+            <a:off x="508000" y="858466"/>
+            <a:ext cx="9144000" cy="716334"/>
+          </a:xfrm>
+        </p:spPr>
+        <p:txBody>
+          <a:bodyPr/>
+          <a:lstStyle/>
+          <a:p>
+            <a:pPr algn="l"/>
+            <a:r>
+              <a:rPr lang="pt-BR" sz="3600" b="1" dirty="0">
+                <a:solidFill>
+                  <a:schemeClr val="accent1">
+                    <a:lumMod val="75000"/>
+                  </a:schemeClr>
+                </a:solidFill>
+                <a:latin typeface="Calibri" pitchFamily="34" charset="0"/>
+                <a:ea typeface="+mn-ea"/>
+                <a:cs typeface="Calibri" pitchFamily="34" charset="0"/>
+              </a:rPr>
+              <a:t>Curiosidades do projeto</a:t>
+            </a:r>
+          </a:p>
+        </p:txBody>
+      </p:sp>
+      <p:sp>
+        <p:nvSpPr>
+          <p:cNvPr id="6" name="Retângulo 5">
+            <a:extLst>
+              <a:ext uri="{FF2B5EF4-FFF2-40B4-BE49-F238E27FC236}">
+                <a16:creationId xmlns:a16="http://schemas.microsoft.com/office/drawing/2014/main" id="{654EA27E-5531-5C81-564C-690E88B22D6F}"/>
+              </a:ext>
+            </a:extLst>
+          </p:cNvPr>
+          <p:cNvSpPr/>
+          <p:nvPr/>
+        </p:nvSpPr>
+        <p:spPr>
+          <a:xfrm>
+            <a:off x="0" y="1574800"/>
+            <a:ext cx="9832528" cy="75754"/>
+          </a:xfrm>
+          <a:prstGeom prst="rect">
+            <a:avLst/>
+          </a:prstGeom>
+          <a:ln>
+            <a:solidFill>
+              <a:schemeClr val="accent1"/>
+            </a:solidFill>
+          </a:ln>
+        </p:spPr>
+        <p:style>
+          <a:lnRef idx="2">
+            <a:schemeClr val="accent1">
+              <a:shade val="50000"/>
+            </a:schemeClr>
+          </a:lnRef>
+          <a:fillRef idx="1">
+            <a:schemeClr val="accent1"/>
+          </a:fillRef>
+          <a:effectRef idx="0">
+            <a:schemeClr val="accent1"/>
+          </a:effectRef>
+          <a:fontRef idx="minor">
+            <a:schemeClr val="lt1"/>
+          </a:fontRef>
+        </p:style>
+        <p:txBody>
+          <a:bodyPr rtlCol="0" anchor="ctr"/>
+          <a:lstStyle/>
+          <a:p>
+            <a:pPr algn="ctr"/>
+            <a:endParaRPr lang="pt-BR"/>
+          </a:p>
+        </p:txBody>
+      </p:sp>
+      <p:pic>
+        <p:nvPicPr>
+          <p:cNvPr id="3" name="Imagem 2">
+            <a:extLst>
+              <a:ext uri="{FF2B5EF4-FFF2-40B4-BE49-F238E27FC236}">
+                <a16:creationId xmlns:a16="http://schemas.microsoft.com/office/drawing/2014/main" id="{426CEB33-792C-450D-A907-A2B7F71D02C8}"/>
+              </a:ext>
+            </a:extLst>
+          </p:cNvPr>
+          <p:cNvPicPr>
+            <a:picLocks noChangeAspect="1"/>
+          </p:cNvPicPr>
+          <p:nvPr/>
+        </p:nvPicPr>
+        <p:blipFill>
+          <a:blip r:embed="rId3"/>
+          <a:stretch>
+            <a:fillRect/>
+          </a:stretch>
+        </p:blipFill>
+        <p:spPr>
+          <a:xfrm>
+            <a:off x="4194175" y="2586658"/>
+            <a:ext cx="1771650" cy="1609725"/>
+          </a:xfrm>
+          <a:prstGeom prst="rect">
+            <a:avLst/>
+          </a:prstGeom>
+        </p:spPr>
+      </p:pic>
+      <p:sp>
+        <p:nvSpPr>
+          <p:cNvPr id="7" name="Retângulo 6">
+            <a:extLst>
+              <a:ext uri="{FF2B5EF4-FFF2-40B4-BE49-F238E27FC236}">
+                <a16:creationId xmlns:a16="http://schemas.microsoft.com/office/drawing/2014/main" id="{BB78A616-82B1-4A98-8ED9-C935FBE26AF7}"/>
+              </a:ext>
+            </a:extLst>
+          </p:cNvPr>
+          <p:cNvSpPr/>
+          <p:nvPr/>
+        </p:nvSpPr>
+        <p:spPr>
+          <a:xfrm>
+            <a:off x="984939" y="4530874"/>
+            <a:ext cx="8506752" cy="1754326"/>
+          </a:xfrm>
+          <a:prstGeom prst="rect">
+            <a:avLst/>
+          </a:prstGeom>
+          <a:noFill/>
+        </p:spPr>
+        <p:txBody>
+          <a:bodyPr wrap="none" lIns="91440" tIns="45720" rIns="91440" bIns="45720">
+            <a:spAutoFit/>
+          </a:bodyPr>
+          <a:lstStyle/>
+          <a:p>
+            <a:pPr algn="ctr"/>
+            <a:r>
+              <a:rPr lang="pt-BR" sz="5400" b="0" cap="none" spc="0" dirty="0">
+                <a:ln w="0"/>
+                <a:solidFill>
+                  <a:schemeClr val="tx1"/>
+                </a:solidFill>
+                <a:effectLst>
+                  <a:outerShdw blurRad="38100" dist="19050" dir="2700000" algn="tl" rotWithShape="0">
+                    <a:schemeClr val="dk1">
+                      <a:alpha val="40000"/>
+                    </a:schemeClr>
+                  </a:outerShdw>
+                </a:effectLst>
+              </a:rPr>
+              <a:t>Foram 27 dias trabalhados </a:t>
+            </a:r>
+          </a:p>
+          <a:p>
+            <a:pPr algn="ctr"/>
+            <a:r>
+              <a:rPr lang="pt-BR" sz="5400" b="0" cap="none" spc="0" dirty="0">
+                <a:ln w="0"/>
+                <a:solidFill>
+                  <a:schemeClr val="tx1"/>
+                </a:solidFill>
+                <a:effectLst>
+                  <a:outerShdw blurRad="38100" dist="19050" dir="2700000" algn="tl" rotWithShape="0">
+                    <a:schemeClr val="dk1">
+                      <a:alpha val="40000"/>
+                    </a:schemeClr>
+                  </a:outerShdw>
+                </a:effectLst>
+              </a:rPr>
+              <a:t>Consecutivamente no projeto</a:t>
+            </a:r>
+          </a:p>
+        </p:txBody>
+      </p:sp>
+    </p:spTree>
+    <p:extLst>
+      <p:ext uri="{BB962C8B-B14F-4D97-AF65-F5344CB8AC3E}">
+        <p14:creationId xmlns:p14="http://schemas.microsoft.com/office/powerpoint/2010/main" val="2804104715"/>
+      </p:ext>
+    </p:extLst>
+  </p:cSld>
+  <p:clrMapOvr>
+    <a:overrideClrMapping bg1="lt1" tx1="dk1" bg2="lt2" tx2="dk2" accent1="accent1" accent2="accent2" accent3="accent3" accent4="accent4" accent5="accent5" accent6="accent6" hlink="hlink" folHlink="folHlink"/>
+  </p:clrMapOvr>
+</p:sld>
+</file>
+
+<file path=ppt/slides/slide21.xml><?xml version="1.0" encoding="utf-8"?>
+<p:sld xmlns:a="http://schemas.openxmlformats.org/drawingml/2006/main" xmlns:r="http://schemas.openxmlformats.org/officeDocument/2006/relationships" xmlns:p="http://schemas.openxmlformats.org/presentationml/2006/main">
+  <p:cSld>
+    <p:bg>
+      <p:bgPr>
+        <a:blipFill>
+          <a:blip r:embed="rId3"/>
+          <a:tile tx="0" ty="0" sx="100000" sy="100000" flip="none" algn="tl"/>
+        </a:blipFill>
+        <a:effectLst/>
+      </p:bgPr>
+    </p:bg>
+    <p:spTree>
+      <p:nvGrpSpPr>
+        <p:cNvPr id="1" name=""/>
+        <p:cNvGrpSpPr/>
+        <p:nvPr/>
+      </p:nvGrpSpPr>
+      <p:grpSpPr>
+        <a:xfrm>
+          <a:off x="0" y="0"/>
+          <a:ext cx="0" cy="0"/>
+          <a:chOff x="0" y="0"/>
+          <a:chExt cx="0" cy="0"/>
+        </a:xfrm>
+      </p:grpSpPr>
+      <p:sp>
+        <p:nvSpPr>
+          <p:cNvPr id="4" name="Subtítulo 3">
+            <a:extLst>
+              <a:ext uri="{FF2B5EF4-FFF2-40B4-BE49-F238E27FC236}">
+                <a16:creationId xmlns:a16="http://schemas.microsoft.com/office/drawing/2014/main" id="{F09B3965-3B4F-5150-E870-12D37597F03B}"/>
+              </a:ext>
+            </a:extLst>
+          </p:cNvPr>
+          <p:cNvSpPr>
+            <a:spLocks noGrp="1"/>
+          </p:cNvSpPr>
+          <p:nvPr>
+            <p:ph type="subTitle" idx="1"/>
+          </p:nvPr>
+        </p:nvSpPr>
+        <p:spPr>
+          <a:xfrm>
+            <a:off x="1524000" y="3027470"/>
+            <a:ext cx="7112000" cy="1947739"/>
+          </a:xfrm>
+        </p:spPr>
+        <p:txBody>
+          <a:bodyPr/>
+          <a:lstStyle/>
+          <a:p>
+            <a:r>
+              <a:rPr lang="pt-BR" sz="5300" b="1" dirty="0">
+                <a:solidFill>
+                  <a:schemeClr val="bg1"/>
+                </a:solidFill>
+                <a:latin typeface="Calibri" pitchFamily="34" charset="0"/>
+                <a:cs typeface="Calibri" pitchFamily="34" charset="0"/>
+              </a:rPr>
+              <a:t>Conclusão </a:t>
+            </a:r>
+          </a:p>
+        </p:txBody>
+      </p:sp>
+    </p:spTree>
+    <p:extLst>
+      <p:ext uri="{BB962C8B-B14F-4D97-AF65-F5344CB8AC3E}">
+        <p14:creationId xmlns:p14="http://schemas.microsoft.com/office/powerpoint/2010/main" val="4294595111"/>
+      </p:ext>
+    </p:extLst>
+  </p:cSld>
+  <p:clrMapOvr>
+    <a:overrideClrMapping bg1="lt1" tx1="dk1" bg2="lt2" tx2="dk2" accent1="accent1" accent2="accent2" accent3="accent3" accent4="accent4" accent5="accent5" accent6="accent6" hlink="hlink" folHlink="folHlink"/>
+  </p:clrMapOvr>
+</p:sld>
+</file>
+
+<file path=ppt/slides/slide22.xml><?xml version="1.0" encoding="utf-8"?>
+<p:sld xmlns:a="http://schemas.openxmlformats.org/drawingml/2006/main" xmlns:r="http://schemas.openxmlformats.org/officeDocument/2006/relationships" xmlns:p="http://schemas.openxmlformats.org/presentationml/2006/main">
+  <p:cSld>
+    <p:bg>
+      <p:bgRef idx="1001">
+        <a:schemeClr val="bg1"/>
+      </p:bgRef>
+    </p:bg>
+    <p:spTree>
+      <p:nvGrpSpPr>
+        <p:cNvPr id="1" name=""/>
+        <p:cNvGrpSpPr/>
+        <p:nvPr/>
+      </p:nvGrpSpPr>
+      <p:grpSpPr>
+        <a:xfrm>
+          <a:off x="0" y="0"/>
+          <a:ext cx="0" cy="0"/>
+          <a:chOff x="0" y="0"/>
+          <a:chExt cx="0" cy="0"/>
+        </a:xfrm>
+      </p:grpSpPr>
+      <p:sp>
+        <p:nvSpPr>
+          <p:cNvPr id="2" name="Título 1"/>
+          <p:cNvSpPr>
+            <a:spLocks noGrp="1"/>
+          </p:cNvSpPr>
+          <p:nvPr>
+            <p:ph type="title"/>
+          </p:nvPr>
+        </p:nvSpPr>
+        <p:spPr>
+          <a:xfrm>
+            <a:off x="508000" y="858466"/>
+            <a:ext cx="9144000" cy="716334"/>
+          </a:xfrm>
+        </p:spPr>
+        <p:txBody>
+          <a:bodyPr/>
+          <a:lstStyle/>
+          <a:p>
+            <a:pPr algn="l"/>
+            <a:r>
+              <a:rPr lang="pt-BR" sz="3600" b="1" dirty="0">
+                <a:solidFill>
+                  <a:schemeClr val="accent1">
+                    <a:lumMod val="75000"/>
+                  </a:schemeClr>
+                </a:solidFill>
+                <a:latin typeface="Calibri" pitchFamily="34" charset="0"/>
+                <a:ea typeface="+mn-ea"/>
+                <a:cs typeface="Calibri" pitchFamily="34" charset="0"/>
+              </a:rPr>
+              <a:t>Conclusão</a:t>
+            </a:r>
+          </a:p>
+        </p:txBody>
+      </p:sp>
+      <p:sp>
+        <p:nvSpPr>
+          <p:cNvPr id="6" name="Retângulo 5">
+            <a:extLst>
+              <a:ext uri="{FF2B5EF4-FFF2-40B4-BE49-F238E27FC236}">
+                <a16:creationId xmlns:a16="http://schemas.microsoft.com/office/drawing/2014/main" id="{654EA27E-5531-5C81-564C-690E88B22D6F}"/>
+              </a:ext>
+            </a:extLst>
+          </p:cNvPr>
+          <p:cNvSpPr/>
+          <p:nvPr/>
+        </p:nvSpPr>
+        <p:spPr>
+          <a:xfrm>
+            <a:off x="0" y="1574800"/>
+            <a:ext cx="9832528" cy="75754"/>
+          </a:xfrm>
+          <a:prstGeom prst="rect">
+            <a:avLst/>
+          </a:prstGeom>
+          <a:ln>
+            <a:solidFill>
+              <a:schemeClr val="accent1"/>
+            </a:solidFill>
+          </a:ln>
+        </p:spPr>
+        <p:style>
+          <a:lnRef idx="2">
+            <a:schemeClr val="accent1">
+              <a:shade val="50000"/>
+            </a:schemeClr>
+          </a:lnRef>
+          <a:fillRef idx="1">
+            <a:schemeClr val="accent1"/>
+          </a:fillRef>
+          <a:effectRef idx="0">
+            <a:schemeClr val="accent1"/>
+          </a:effectRef>
+          <a:fontRef idx="minor">
+            <a:schemeClr val="lt1"/>
+          </a:fontRef>
+        </p:style>
+        <p:txBody>
+          <a:bodyPr rtlCol="0" anchor="ctr"/>
+          <a:lstStyle/>
+          <a:p>
+            <a:pPr algn="ctr"/>
+            <a:endParaRPr lang="pt-BR"/>
+          </a:p>
+        </p:txBody>
+      </p:sp>
+      <p:pic>
+        <p:nvPicPr>
+          <p:cNvPr id="4" name="Imagem 3">
+            <a:extLst>
+              <a:ext uri="{FF2B5EF4-FFF2-40B4-BE49-F238E27FC236}">
+                <a16:creationId xmlns:a16="http://schemas.microsoft.com/office/drawing/2014/main" id="{23A34EC6-05E3-42D2-B31F-121A7CBCBF50}"/>
+              </a:ext>
+            </a:extLst>
+          </p:cNvPr>
+          <p:cNvPicPr>
+            <a:picLocks noChangeAspect="1"/>
+          </p:cNvPicPr>
+          <p:nvPr/>
+        </p:nvPicPr>
+        <p:blipFill>
+          <a:blip r:embed="rId3"/>
+          <a:stretch>
+            <a:fillRect/>
+          </a:stretch>
+        </p:blipFill>
+        <p:spPr>
+          <a:xfrm>
+            <a:off x="2858500" y="3018706"/>
+            <a:ext cx="4443000" cy="1872208"/>
+          </a:xfrm>
+          <a:prstGeom prst="rect">
+            <a:avLst/>
+          </a:prstGeom>
+        </p:spPr>
+      </p:pic>
+    </p:spTree>
+    <p:extLst>
+      <p:ext uri="{BB962C8B-B14F-4D97-AF65-F5344CB8AC3E}">
+        <p14:creationId xmlns:p14="http://schemas.microsoft.com/office/powerpoint/2010/main" val="1445093394"/>
+      </p:ext>
+    </p:extLst>
+  </p:cSld>
+  <p:clrMapOvr>
+    <a:overrideClrMapping bg1="lt1" tx1="dk1" bg2="lt2" tx2="dk2" accent1="accent1" accent2="accent2" accent3="accent3" accent4="accent4" accent5="accent5" accent6="accent6" hlink="hlink" folHlink="folHlink"/>
+  </p:clrMapOvr>
+</p:sld>
+</file>
+
+<file path=ppt/slides/slide23.xml><?xml version="1.0" encoding="utf-8"?>
+<p:sld xmlns:a="http://schemas.openxmlformats.org/drawingml/2006/main" xmlns:r="http://schemas.openxmlformats.org/officeDocument/2006/relationships" xmlns:p="http://schemas.openxmlformats.org/presentationml/2006/main">
+  <p:cSld>
+    <p:spTree>
+      <p:nvGrpSpPr>
+        <p:cNvPr id="1" name=""/>
+        <p:cNvGrpSpPr/>
+        <p:nvPr/>
+      </p:nvGrpSpPr>
+      <p:grpSpPr>
+        <a:xfrm>
+          <a:off x="0" y="0"/>
+          <a:ext cx="0" cy="0"/>
+          <a:chOff x="0" y="0"/>
+          <a:chExt cx="0" cy="0"/>
+        </a:xfrm>
+      </p:grpSpPr>
+      <p:sp>
+        <p:nvSpPr>
+          <p:cNvPr id="2" name="Título 1"/>
+          <p:cNvSpPr>
+            <a:spLocks noGrp="1"/>
+          </p:cNvSpPr>
+          <p:nvPr>
+            <p:ph type="title"/>
+          </p:nvPr>
+        </p:nvSpPr>
+        <p:spPr>
+          <a:xfrm>
+            <a:off x="508000" y="858466"/>
+            <a:ext cx="9144000" cy="716334"/>
+          </a:xfrm>
+        </p:spPr>
+        <p:txBody>
+          <a:bodyPr/>
+          <a:lstStyle/>
+          <a:p>
+            <a:pPr algn="l"/>
+            <a:r>
+              <a:rPr lang="pt-BR" sz="3600" b="1" dirty="0">
+                <a:solidFill>
+                  <a:schemeClr val="accent1">
+                    <a:lumMod val="75000"/>
+                  </a:schemeClr>
+                </a:solidFill>
+                <a:latin typeface="Calibri" pitchFamily="34" charset="0"/>
+                <a:ea typeface="+mn-ea"/>
+                <a:cs typeface="Calibri" pitchFamily="34" charset="0"/>
+              </a:rPr>
+              <a:t>Para mais informações	</a:t>
+            </a:r>
+          </a:p>
+        </p:txBody>
+      </p:sp>
+      <p:pic>
+        <p:nvPicPr>
+          <p:cNvPr id="5" name="Espaço Reservado para Conteúdo 4">
+            <a:extLst>
+              <a:ext uri="{FF2B5EF4-FFF2-40B4-BE49-F238E27FC236}">
+                <a16:creationId xmlns:a16="http://schemas.microsoft.com/office/drawing/2014/main" id="{B9D70CCA-1E65-4043-B611-6E71CC1137A2}"/>
+              </a:ext>
+            </a:extLst>
+          </p:cNvPr>
+          <p:cNvPicPr>
+            <a:picLocks noGrp="1" noChangeAspect="1"/>
+          </p:cNvPicPr>
+          <p:nvPr>
+            <p:ph idx="1"/>
+          </p:nvPr>
+        </p:nvPicPr>
+        <p:blipFill rotWithShape="1">
+          <a:blip r:embed="rId2">
+            <a:extLst>
+              <a:ext uri="{28A0092B-C50C-407E-A947-70E740481C1C}">
+                <a14:useLocalDpi xmlns:a14="http://schemas.microsoft.com/office/drawing/2010/main" val="0"/>
+              </a:ext>
+            </a:extLst>
+          </a:blip>
+          <a:srcRect l="28746" t="43493" r="28746" b="7158"/>
+          <a:stretch/>
+        </p:blipFill>
+        <p:spPr>
+          <a:xfrm>
+            <a:off x="1168742" y="4271938"/>
+            <a:ext cx="2592288" cy="2491184"/>
+          </a:xfrm>
+        </p:spPr>
+      </p:pic>
+      <p:pic>
+        <p:nvPicPr>
+          <p:cNvPr id="8" name="Imagem 7">
+            <a:extLst>
+              <a:ext uri="{FF2B5EF4-FFF2-40B4-BE49-F238E27FC236}">
+                <a16:creationId xmlns:a16="http://schemas.microsoft.com/office/drawing/2014/main" id="{2DC18C2E-A173-4C27-B663-6BBCE7C134F1}"/>
+              </a:ext>
+            </a:extLst>
+          </p:cNvPr>
+          <p:cNvPicPr>
+            <a:picLocks noChangeAspect="1"/>
+          </p:cNvPicPr>
+          <p:nvPr/>
+        </p:nvPicPr>
+        <p:blipFill rotWithShape="1">
+          <a:blip r:embed="rId2">
+            <a:extLst>
+              <a:ext uri="{28A0092B-C50C-407E-A947-70E740481C1C}">
+                <a14:useLocalDpi xmlns:a14="http://schemas.microsoft.com/office/drawing/2010/main" val="0"/>
+              </a:ext>
+            </a:extLst>
+          </a:blip>
+          <a:srcRect l="16986" t="1889" r="15755" b="61265"/>
+          <a:stretch/>
+        </p:blipFill>
+        <p:spPr>
+          <a:xfrm>
+            <a:off x="508000" y="1936440"/>
+            <a:ext cx="3913772" cy="1774850"/>
+          </a:xfrm>
+          <a:prstGeom prst="rect">
+            <a:avLst/>
+          </a:prstGeom>
+        </p:spPr>
+      </p:pic>
+      <p:pic>
+        <p:nvPicPr>
+          <p:cNvPr id="10" name="Imagem 9">
+            <a:extLst>
+              <a:ext uri="{FF2B5EF4-FFF2-40B4-BE49-F238E27FC236}">
+                <a16:creationId xmlns:a16="http://schemas.microsoft.com/office/drawing/2014/main" id="{287A09B3-2F15-4F3D-B035-1D694ABF84D0}"/>
+              </a:ext>
+            </a:extLst>
+          </p:cNvPr>
+          <p:cNvPicPr>
+            <a:picLocks noChangeAspect="1"/>
+          </p:cNvPicPr>
+          <p:nvPr/>
+        </p:nvPicPr>
+        <p:blipFill rotWithShape="1">
+          <a:blip r:embed="rId3">
+            <a:extLst>
+              <a:ext uri="{28A0092B-C50C-407E-A947-70E740481C1C}">
+                <a14:useLocalDpi xmlns:a14="http://schemas.microsoft.com/office/drawing/2010/main" val="0"/>
+              </a:ext>
+            </a:extLst>
+          </a:blip>
+          <a:srcRect l="28879" t="42514" r="28389" b="14027"/>
+          <a:stretch/>
+        </p:blipFill>
+        <p:spPr>
+          <a:xfrm>
+            <a:off x="6420361" y="4279303"/>
+            <a:ext cx="2476454" cy="2476454"/>
+          </a:xfrm>
+          <a:prstGeom prst="rect">
+            <a:avLst/>
+          </a:prstGeom>
+        </p:spPr>
+      </p:pic>
+      <p:pic>
+        <p:nvPicPr>
+          <p:cNvPr id="12" name="Imagem 11">
+            <a:extLst>
+              <a:ext uri="{FF2B5EF4-FFF2-40B4-BE49-F238E27FC236}">
+                <a16:creationId xmlns:a16="http://schemas.microsoft.com/office/drawing/2014/main" id="{D535F7D9-8B51-488E-BB8E-4305586DDAFE}"/>
+              </a:ext>
+            </a:extLst>
+          </p:cNvPr>
+          <p:cNvPicPr>
+            <a:picLocks noChangeAspect="1"/>
+          </p:cNvPicPr>
+          <p:nvPr/>
+        </p:nvPicPr>
+        <p:blipFill rotWithShape="1">
+          <a:blip r:embed="rId3">
+            <a:extLst>
+              <a:ext uri="{28A0092B-C50C-407E-A947-70E740481C1C}">
+                <a14:useLocalDpi xmlns:a14="http://schemas.microsoft.com/office/drawing/2010/main" val="0"/>
+              </a:ext>
+            </a:extLst>
+          </a:blip>
+          <a:srcRect l="16388" t="6630" r="14871" b="59358"/>
+          <a:stretch/>
+        </p:blipFill>
+        <p:spPr>
+          <a:xfrm>
+            <a:off x="5920161" y="1908944"/>
+            <a:ext cx="3761342" cy="1829842"/>
+          </a:xfrm>
+          <a:prstGeom prst="rect">
+            <a:avLst/>
+          </a:prstGeom>
+        </p:spPr>
+      </p:pic>
+    </p:spTree>
+    <p:extLst>
+      <p:ext uri="{BB962C8B-B14F-4D97-AF65-F5344CB8AC3E}">
+        <p14:creationId xmlns:p14="http://schemas.microsoft.com/office/powerpoint/2010/main" val="2155054008"/>
+      </p:ext>
+    </p:extLst>
+  </p:cSld>
+  <p:clrMapOvr>
+    <a:masterClrMapping/>
+  </p:clrMapOvr>
+</p:sld>
+</file>
+
+<file path=ppt/slides/slide24.xml><?xml version="1.0" encoding="utf-8"?>
+<p:sld xmlns:a="http://schemas.openxmlformats.org/drawingml/2006/main" xmlns:r="http://schemas.openxmlformats.org/officeDocument/2006/relationships" xmlns:p="http://schemas.openxmlformats.org/presentationml/2006/main">
+  <p:cSld>
+    <p:bg>
+      <p:bgPr>
+        <a:blipFill>
+          <a:blip r:embed="rId3"/>
+          <a:tile tx="0" ty="0" sx="100000" sy="100000" flip="none" algn="tl"/>
+        </a:blipFill>
+        <a:effectLst/>
+      </p:bgPr>
+    </p:bg>
+    <p:spTree>
+      <p:nvGrpSpPr>
+        <p:cNvPr id="1" name=""/>
+        <p:cNvGrpSpPr/>
+        <p:nvPr/>
+      </p:nvGrpSpPr>
+      <p:grpSpPr>
+        <a:xfrm>
+          <a:off x="0" y="0"/>
+          <a:ext cx="0" cy="0"/>
+          <a:chOff x="0" y="0"/>
+          <a:chExt cx="0" cy="0"/>
+        </a:xfrm>
+      </p:grpSpPr>
+      <p:sp>
+        <p:nvSpPr>
+          <p:cNvPr id="4" name="Subtítulo 3">
+            <a:extLst>
+              <a:ext uri="{FF2B5EF4-FFF2-40B4-BE49-F238E27FC236}">
+                <a16:creationId xmlns:a16="http://schemas.microsoft.com/office/drawing/2014/main" id="{F09B3965-3B4F-5150-E870-12D37597F03B}"/>
+              </a:ext>
+            </a:extLst>
+          </p:cNvPr>
+          <p:cNvSpPr>
+            <a:spLocks noGrp="1"/>
+          </p:cNvSpPr>
+          <p:nvPr>
+            <p:ph type="subTitle" idx="1"/>
+          </p:nvPr>
+        </p:nvSpPr>
+        <p:spPr>
+          <a:xfrm>
+            <a:off x="1524000" y="3027470"/>
+            <a:ext cx="7112000" cy="1947739"/>
+          </a:xfrm>
+        </p:spPr>
+        <p:txBody>
+          <a:bodyPr>
+            <a:normAutofit fontScale="85000" lnSpcReduction="10000"/>
+          </a:bodyPr>
+          <a:lstStyle/>
+          <a:p>
+            <a:r>
+              <a:rPr lang="pt-BR" sz="13800" b="1" i="1" u="sng" dirty="0">
+                <a:solidFill>
+                  <a:schemeClr val="bg1"/>
+                </a:solidFill>
+                <a:effectLst>
+                  <a:outerShdw blurRad="38100" dist="38100" dir="2700000" algn="tl">
+                    <a:srgbClr val="000000">
+                      <a:alpha val="43137"/>
+                    </a:srgbClr>
+                  </a:outerShdw>
+                </a:effectLst>
+                <a:latin typeface="Calibri" pitchFamily="34" charset="0"/>
+                <a:cs typeface="Calibri" pitchFamily="34" charset="0"/>
+              </a:rPr>
+              <a:t>OBRIGADO</a:t>
+            </a:r>
+            <a:endParaRPr lang="pt-BR" sz="5300" b="1" i="1" u="sng" dirty="0">
+              <a:solidFill>
+                <a:schemeClr val="bg1"/>
+              </a:solidFill>
+              <a:effectLst>
+                <a:outerShdw blurRad="38100" dist="38100" dir="2700000" algn="tl">
+                  <a:srgbClr val="000000">
+                    <a:alpha val="43137"/>
+                  </a:srgbClr>
+                </a:outerShdw>
+              </a:effectLst>
+              <a:latin typeface="Calibri" pitchFamily="34" charset="0"/>
+              <a:cs typeface="Calibri" pitchFamily="34" charset="0"/>
+            </a:endParaRPr>
+          </a:p>
+        </p:txBody>
+      </p:sp>
+    </p:spTree>
+    <p:extLst>
+      <p:ext uri="{BB962C8B-B14F-4D97-AF65-F5344CB8AC3E}">
+        <p14:creationId xmlns:p14="http://schemas.microsoft.com/office/powerpoint/2010/main" val="2244917800"/>
+      </p:ext>
+    </p:extLst>
+  </p:cSld>
+  <p:clrMapOvr>
+    <a:overrideClrMapping bg1="lt1" tx1="dk1" bg2="lt2" tx2="dk2" accent1="accent1" accent2="accent2" accent3="accent3" accent4="accent4" accent5="accent5" accent6="accent6" hlink="hlink" folHlink="folHlink"/>
   </p:clrMapOvr>
 </p:sld>
 </file>
@@ -7157,38 +9180,6 @@
           <a:chExt cx="0" cy="0"/>
         </a:xfrm>
       </p:grpSpPr>
-      <p:sp>
-        <p:nvSpPr>
-          <p:cNvPr id="2" name="Título 1"/>
-          <p:cNvSpPr>
-            <a:spLocks noGrp="1"/>
-          </p:cNvSpPr>
-          <p:nvPr>
-            <p:ph type="ctrTitle"/>
-          </p:nvPr>
-        </p:nvSpPr>
-        <p:spPr/>
-        <p:txBody>
-          <a:bodyPr/>
-          <a:lstStyle/>
-          <a:p>
-            <a:pPr algn="l"/>
-            <a:r>
-              <a:rPr lang="pt-BR" sz="3600" b="1" dirty="0">
-                <a:solidFill>
-                  <a:schemeClr val="accent1">
-                    <a:lumMod val="75000"/>
-                  </a:schemeClr>
-                </a:solidFill>
-                <a:latin typeface="Calibri" pitchFamily="34" charset="0"/>
-                <a:ea typeface="+mn-ea"/>
-                <a:cs typeface="Calibri" pitchFamily="34" charset="0"/>
-              </a:rPr>
-              <a:t>Briefing</a:t>
-            </a:r>
-          </a:p>
-        </p:txBody>
-      </p:sp>
       <p:sp>
         <p:nvSpPr>
           <p:cNvPr id="4" name="Subtítulo 3">
@@ -7312,7 +9303,7 @@
         </p:nvSpPr>
         <p:spPr>
           <a:xfrm>
-            <a:off x="508000" y="2514650"/>
+            <a:off x="497949" y="2514650"/>
             <a:ext cx="9144000" cy="4890914"/>
           </a:xfrm>
         </p:spPr>
@@ -7449,6 +9440,89 @@
           <a:ln>
             <a:solidFill>
               <a:schemeClr val="accent1"/>
+            </a:solidFill>
+          </a:ln>
+        </p:spPr>
+        <p:style>
+          <a:lnRef idx="2">
+            <a:schemeClr val="accent1">
+              <a:shade val="50000"/>
+            </a:schemeClr>
+          </a:lnRef>
+          <a:fillRef idx="1">
+            <a:schemeClr val="accent1"/>
+          </a:fillRef>
+          <a:effectRef idx="0">
+            <a:schemeClr val="accent1"/>
+          </a:effectRef>
+          <a:fontRef idx="minor">
+            <a:schemeClr val="lt1"/>
+          </a:fontRef>
+        </p:style>
+        <p:txBody>
+          <a:bodyPr rtlCol="0" anchor="ctr"/>
+          <a:lstStyle/>
+          <a:p>
+            <a:pPr algn="ctr"/>
+            <a:endParaRPr lang="pt-BR"/>
+          </a:p>
+        </p:txBody>
+      </p:sp>
+      <p:pic>
+        <p:nvPicPr>
+          <p:cNvPr id="4" name="Imagem 3">
+            <a:extLst>
+              <a:ext uri="{FF2B5EF4-FFF2-40B4-BE49-F238E27FC236}">
+                <a16:creationId xmlns:a16="http://schemas.microsoft.com/office/drawing/2014/main" id="{D7E278DF-A5A0-43D8-A832-BBF9CC316869}"/>
+              </a:ext>
+            </a:extLst>
+          </p:cNvPr>
+          <p:cNvPicPr>
+            <a:picLocks noChangeAspect="1"/>
+          </p:cNvPicPr>
+          <p:nvPr/>
+        </p:nvPicPr>
+        <p:blipFill rotWithShape="1">
+          <a:blip r:embed="rId3"/>
+          <a:srcRect l="37243" t="27756" r="37243" b="26449"/>
+          <a:stretch/>
+        </p:blipFill>
+        <p:spPr>
+          <a:xfrm>
+            <a:off x="6880200" y="4026818"/>
+            <a:ext cx="2592288" cy="2520280"/>
+          </a:xfrm>
+          <a:prstGeom prst="rect">
+            <a:avLst/>
+          </a:prstGeom>
+        </p:spPr>
+      </p:pic>
+      <p:sp>
+        <p:nvSpPr>
+          <p:cNvPr id="7" name="Retângulo 6">
+            <a:extLst>
+              <a:ext uri="{FF2B5EF4-FFF2-40B4-BE49-F238E27FC236}">
+                <a16:creationId xmlns:a16="http://schemas.microsoft.com/office/drawing/2014/main" id="{EDFDAEF6-4023-4AEF-9BD8-94E2AEC7ACC6}"/>
+              </a:ext>
+            </a:extLst>
+          </p:cNvPr>
+          <p:cNvSpPr/>
+          <p:nvPr/>
+        </p:nvSpPr>
+        <p:spPr>
+          <a:xfrm>
+            <a:off x="7816304" y="5755010"/>
+            <a:ext cx="576064" cy="432048"/>
+          </a:xfrm>
+          <a:prstGeom prst="rect">
+            <a:avLst/>
+          </a:prstGeom>
+          <a:solidFill>
+            <a:schemeClr val="bg1"/>
+          </a:solidFill>
+          <a:ln>
+            <a:solidFill>
+              <a:schemeClr val="bg1"/>
             </a:solidFill>
           </a:ln>
         </p:spPr>
@@ -7562,7 +9636,7 @@
         <p:spPr>
           <a:xfrm>
             <a:off x="615504" y="3018706"/>
-            <a:ext cx="9144000" cy="3024336"/>
+            <a:ext cx="9144000" cy="4104456"/>
           </a:xfrm>
         </p:spPr>
         <p:txBody>
@@ -7615,7 +9689,21 @@
             </a:r>
             <a:r>
               <a:rPr lang="pt-BR" sz="2000" dirty="0"/>
-              <a:t>Ser responsivo e funcional</a:t>
+              <a:t>Ser responsivo</a:t>
+            </a:r>
+          </a:p>
+          <a:p>
+            <a:pPr lvl="1"/>
+            <a:r>
+              <a:rPr lang="pt-BR" sz="2000" dirty="0"/>
+              <a:t> Fidelidade ou layout</a:t>
+            </a:r>
+          </a:p>
+          <a:p>
+            <a:pPr lvl="1"/>
+            <a:r>
+              <a:rPr lang="pt-BR" sz="2000" dirty="0"/>
+              <a:t> Funcional</a:t>
             </a:r>
           </a:p>
         </p:txBody>
@@ -7671,6 +9759,35 @@
           </a:p>
         </p:txBody>
       </p:sp>
+      <p:pic>
+        <p:nvPicPr>
+          <p:cNvPr id="9" name="Imagem 8">
+            <a:extLst>
+              <a:ext uri="{FF2B5EF4-FFF2-40B4-BE49-F238E27FC236}">
+                <a16:creationId xmlns:a16="http://schemas.microsoft.com/office/drawing/2014/main" id="{DEB3685A-BD01-45F5-9204-54BE43CBF03E}"/>
+              </a:ext>
+            </a:extLst>
+          </p:cNvPr>
+          <p:cNvPicPr>
+            <a:picLocks noChangeAspect="1"/>
+          </p:cNvPicPr>
+          <p:nvPr/>
+        </p:nvPicPr>
+        <p:blipFill rotWithShape="1">
+          <a:blip r:embed="rId3"/>
+          <a:srcRect l="37243" t="27756" r="37243" b="27756"/>
+          <a:stretch/>
+        </p:blipFill>
+        <p:spPr>
+          <a:xfrm>
+            <a:off x="6736184" y="4026818"/>
+            <a:ext cx="2592288" cy="2448276"/>
+          </a:xfrm>
+          <a:prstGeom prst="rect">
+            <a:avLst/>
+          </a:prstGeom>
+        </p:spPr>
+      </p:pic>
     </p:spTree>
     <p:extLst>
       <p:ext uri="{BB962C8B-B14F-4D97-AF65-F5344CB8AC3E}">
@@ -7865,6 +9982,413 @@
           </a:p>
         </p:txBody>
       </p:sp>
+      <p:pic>
+        <p:nvPicPr>
+          <p:cNvPr id="4" name="Imagem 3">
+            <a:extLst>
+              <a:ext uri="{FF2B5EF4-FFF2-40B4-BE49-F238E27FC236}">
+                <a16:creationId xmlns:a16="http://schemas.microsoft.com/office/drawing/2014/main" id="{31EFC312-C1E6-4BCE-991C-C8AD47670310}"/>
+              </a:ext>
+            </a:extLst>
+          </p:cNvPr>
+          <p:cNvPicPr>
+            <a:picLocks noChangeAspect="1"/>
+          </p:cNvPicPr>
+          <p:nvPr/>
+        </p:nvPicPr>
+        <p:blipFill rotWithShape="1">
+          <a:blip r:embed="rId3"/>
+          <a:srcRect l="37951" t="27756" r="37951" b="27756"/>
+          <a:stretch/>
+        </p:blipFill>
+        <p:spPr>
+          <a:xfrm>
+            <a:off x="7096224" y="3954810"/>
+            <a:ext cx="2448272" cy="2448274"/>
+          </a:xfrm>
+          <a:prstGeom prst="rect">
+            <a:avLst/>
+          </a:prstGeom>
+        </p:spPr>
+      </p:pic>
+      <p:sp>
+        <p:nvSpPr>
+          <p:cNvPr id="5" name="Retângulo 4">
+            <a:extLst>
+              <a:ext uri="{FF2B5EF4-FFF2-40B4-BE49-F238E27FC236}">
+                <a16:creationId xmlns:a16="http://schemas.microsoft.com/office/drawing/2014/main" id="{275CE969-352A-4480-B6D6-87C5147F62D8}"/>
+              </a:ext>
+            </a:extLst>
+          </p:cNvPr>
+          <p:cNvSpPr/>
+          <p:nvPr/>
+        </p:nvSpPr>
+        <p:spPr>
+          <a:xfrm>
+            <a:off x="6952208" y="3882802"/>
+            <a:ext cx="792088" cy="1368152"/>
+          </a:xfrm>
+          <a:prstGeom prst="rect">
+            <a:avLst/>
+          </a:prstGeom>
+          <a:solidFill>
+            <a:schemeClr val="bg1"/>
+          </a:solidFill>
+          <a:ln>
+            <a:solidFill>
+              <a:schemeClr val="bg1"/>
+            </a:solidFill>
+          </a:ln>
+        </p:spPr>
+        <p:style>
+          <a:lnRef idx="2">
+            <a:schemeClr val="accent1">
+              <a:shade val="50000"/>
+            </a:schemeClr>
+          </a:lnRef>
+          <a:fillRef idx="1">
+            <a:schemeClr val="accent1"/>
+          </a:fillRef>
+          <a:effectRef idx="0">
+            <a:schemeClr val="accent1"/>
+          </a:effectRef>
+          <a:fontRef idx="minor">
+            <a:schemeClr val="lt1"/>
+          </a:fontRef>
+        </p:style>
+        <p:txBody>
+          <a:bodyPr rtlCol="0" anchor="ctr"/>
+          <a:lstStyle/>
+          <a:p>
+            <a:pPr algn="ctr"/>
+            <a:endParaRPr lang="pt-BR"/>
+          </a:p>
+        </p:txBody>
+      </p:sp>
+      <p:sp>
+        <p:nvSpPr>
+          <p:cNvPr id="7" name="Retângulo 6">
+            <a:extLst>
+              <a:ext uri="{FF2B5EF4-FFF2-40B4-BE49-F238E27FC236}">
+                <a16:creationId xmlns:a16="http://schemas.microsoft.com/office/drawing/2014/main" id="{0D8B3D6C-B1FF-4F0D-B37E-F51475F23EF8}"/>
+              </a:ext>
+            </a:extLst>
+          </p:cNvPr>
+          <p:cNvSpPr/>
+          <p:nvPr/>
+        </p:nvSpPr>
+        <p:spPr>
+          <a:xfrm rot="4332633">
+            <a:off x="7924315" y="3424793"/>
+            <a:ext cx="792088" cy="1368152"/>
+          </a:xfrm>
+          <a:prstGeom prst="rect">
+            <a:avLst/>
+          </a:prstGeom>
+          <a:solidFill>
+            <a:schemeClr val="bg1"/>
+          </a:solidFill>
+          <a:ln>
+            <a:solidFill>
+              <a:schemeClr val="bg1"/>
+            </a:solidFill>
+          </a:ln>
+        </p:spPr>
+        <p:style>
+          <a:lnRef idx="2">
+            <a:schemeClr val="accent1">
+              <a:shade val="50000"/>
+            </a:schemeClr>
+          </a:lnRef>
+          <a:fillRef idx="1">
+            <a:schemeClr val="accent1"/>
+          </a:fillRef>
+          <a:effectRef idx="0">
+            <a:schemeClr val="accent1"/>
+          </a:effectRef>
+          <a:fontRef idx="minor">
+            <a:schemeClr val="lt1"/>
+          </a:fontRef>
+        </p:style>
+        <p:txBody>
+          <a:bodyPr rtlCol="0" anchor="ctr"/>
+          <a:lstStyle/>
+          <a:p>
+            <a:pPr algn="ctr"/>
+            <a:endParaRPr lang="pt-BR" dirty="0"/>
+          </a:p>
+        </p:txBody>
+      </p:sp>
+      <p:sp>
+        <p:nvSpPr>
+          <p:cNvPr id="8" name="Retângulo 7">
+            <a:extLst>
+              <a:ext uri="{FF2B5EF4-FFF2-40B4-BE49-F238E27FC236}">
+                <a16:creationId xmlns:a16="http://schemas.microsoft.com/office/drawing/2014/main" id="{F7DED69D-0475-48C0-AC6E-55980D1F9BE6}"/>
+              </a:ext>
+            </a:extLst>
+          </p:cNvPr>
+          <p:cNvSpPr/>
+          <p:nvPr/>
+        </p:nvSpPr>
+        <p:spPr>
+          <a:xfrm rot="6731495">
+            <a:off x="8909046" y="3558765"/>
+            <a:ext cx="792088" cy="1368152"/>
+          </a:xfrm>
+          <a:prstGeom prst="rect">
+            <a:avLst/>
+          </a:prstGeom>
+          <a:solidFill>
+            <a:schemeClr val="bg1"/>
+          </a:solidFill>
+          <a:ln>
+            <a:solidFill>
+              <a:schemeClr val="bg1"/>
+            </a:solidFill>
+          </a:ln>
+        </p:spPr>
+        <p:style>
+          <a:lnRef idx="2">
+            <a:schemeClr val="accent1">
+              <a:shade val="50000"/>
+            </a:schemeClr>
+          </a:lnRef>
+          <a:fillRef idx="1">
+            <a:schemeClr val="accent1"/>
+          </a:fillRef>
+          <a:effectRef idx="0">
+            <a:schemeClr val="accent1"/>
+          </a:effectRef>
+          <a:fontRef idx="minor">
+            <a:schemeClr val="lt1"/>
+          </a:fontRef>
+        </p:style>
+        <p:txBody>
+          <a:bodyPr rtlCol="0" anchor="ctr"/>
+          <a:lstStyle/>
+          <a:p>
+            <a:pPr algn="ctr"/>
+            <a:endParaRPr lang="pt-BR" dirty="0"/>
+          </a:p>
+        </p:txBody>
+      </p:sp>
+      <p:sp>
+        <p:nvSpPr>
+          <p:cNvPr id="10" name="Retângulo 9">
+            <a:extLst>
+              <a:ext uri="{FF2B5EF4-FFF2-40B4-BE49-F238E27FC236}">
+                <a16:creationId xmlns:a16="http://schemas.microsoft.com/office/drawing/2014/main" id="{FE28E620-5DA8-40F5-B3E4-BC327E7DF85B}"/>
+              </a:ext>
+            </a:extLst>
+          </p:cNvPr>
+          <p:cNvSpPr/>
+          <p:nvPr/>
+        </p:nvSpPr>
+        <p:spPr>
+          <a:xfrm rot="6731495">
+            <a:off x="9061446" y="3711165"/>
+            <a:ext cx="792088" cy="1368152"/>
+          </a:xfrm>
+          <a:prstGeom prst="rect">
+            <a:avLst/>
+          </a:prstGeom>
+          <a:solidFill>
+            <a:schemeClr val="bg1"/>
+          </a:solidFill>
+          <a:ln>
+            <a:solidFill>
+              <a:schemeClr val="bg1"/>
+            </a:solidFill>
+          </a:ln>
+        </p:spPr>
+        <p:style>
+          <a:lnRef idx="2">
+            <a:schemeClr val="accent1">
+              <a:shade val="50000"/>
+            </a:schemeClr>
+          </a:lnRef>
+          <a:fillRef idx="1">
+            <a:schemeClr val="accent1"/>
+          </a:fillRef>
+          <a:effectRef idx="0">
+            <a:schemeClr val="accent1"/>
+          </a:effectRef>
+          <a:fontRef idx="minor">
+            <a:schemeClr val="lt1"/>
+          </a:fontRef>
+        </p:style>
+        <p:txBody>
+          <a:bodyPr rtlCol="0" anchor="ctr"/>
+          <a:lstStyle/>
+          <a:p>
+            <a:pPr algn="ctr"/>
+            <a:endParaRPr lang="pt-BR" dirty="0"/>
+          </a:p>
+        </p:txBody>
+      </p:sp>
+      <p:sp>
+        <p:nvSpPr>
+          <p:cNvPr id="11" name="Retângulo 10">
+            <a:extLst>
+              <a:ext uri="{FF2B5EF4-FFF2-40B4-BE49-F238E27FC236}">
+                <a16:creationId xmlns:a16="http://schemas.microsoft.com/office/drawing/2014/main" id="{D195F2B2-52A0-4B34-8F6B-5090CAD52C5A}"/>
+              </a:ext>
+            </a:extLst>
+          </p:cNvPr>
+          <p:cNvSpPr/>
+          <p:nvPr/>
+        </p:nvSpPr>
+        <p:spPr>
+          <a:xfrm rot="11153109">
+            <a:off x="9202205" y="3790151"/>
+            <a:ext cx="792088" cy="1368152"/>
+          </a:xfrm>
+          <a:prstGeom prst="rect">
+            <a:avLst/>
+          </a:prstGeom>
+          <a:solidFill>
+            <a:schemeClr val="bg1"/>
+          </a:solidFill>
+          <a:ln>
+            <a:solidFill>
+              <a:schemeClr val="bg1"/>
+            </a:solidFill>
+          </a:ln>
+        </p:spPr>
+        <p:style>
+          <a:lnRef idx="2">
+            <a:schemeClr val="accent1">
+              <a:shade val="50000"/>
+            </a:schemeClr>
+          </a:lnRef>
+          <a:fillRef idx="1">
+            <a:schemeClr val="accent1"/>
+          </a:fillRef>
+          <a:effectRef idx="0">
+            <a:schemeClr val="accent1"/>
+          </a:effectRef>
+          <a:fontRef idx="minor">
+            <a:schemeClr val="lt1"/>
+          </a:fontRef>
+        </p:style>
+        <p:txBody>
+          <a:bodyPr rtlCol="0" anchor="ctr"/>
+          <a:lstStyle/>
+          <a:p>
+            <a:pPr algn="ctr"/>
+            <a:endParaRPr lang="pt-BR" dirty="0"/>
+          </a:p>
+        </p:txBody>
+      </p:sp>
+      <p:sp>
+        <p:nvSpPr>
+          <p:cNvPr id="12" name="Retângulo 11">
+            <a:extLst>
+              <a:ext uri="{FF2B5EF4-FFF2-40B4-BE49-F238E27FC236}">
+                <a16:creationId xmlns:a16="http://schemas.microsoft.com/office/drawing/2014/main" id="{3B7788D3-AC59-4C15-A0C5-06FC42D735A3}"/>
+              </a:ext>
+            </a:extLst>
+          </p:cNvPr>
+          <p:cNvSpPr/>
+          <p:nvPr/>
+        </p:nvSpPr>
+        <p:spPr>
+          <a:xfrm rot="8544204">
+            <a:off x="8750498" y="3709469"/>
+            <a:ext cx="792088" cy="1368152"/>
+          </a:xfrm>
+          <a:prstGeom prst="rect">
+            <a:avLst/>
+          </a:prstGeom>
+          <a:solidFill>
+            <a:schemeClr val="bg1"/>
+          </a:solidFill>
+          <a:ln>
+            <a:solidFill>
+              <a:schemeClr val="bg1"/>
+            </a:solidFill>
+          </a:ln>
+        </p:spPr>
+        <p:style>
+          <a:lnRef idx="2">
+            <a:schemeClr val="accent1">
+              <a:shade val="50000"/>
+            </a:schemeClr>
+          </a:lnRef>
+          <a:fillRef idx="1">
+            <a:schemeClr val="accent1"/>
+          </a:fillRef>
+          <a:effectRef idx="0">
+            <a:schemeClr val="accent1"/>
+          </a:effectRef>
+          <a:fontRef idx="minor">
+            <a:schemeClr val="lt1"/>
+          </a:fontRef>
+        </p:style>
+        <p:txBody>
+          <a:bodyPr rtlCol="0" anchor="ctr"/>
+          <a:lstStyle/>
+          <a:p>
+            <a:pPr algn="ctr"/>
+            <a:endParaRPr lang="pt-BR" dirty="0"/>
+          </a:p>
+        </p:txBody>
+      </p:sp>
+      <p:sp>
+        <p:nvSpPr>
+          <p:cNvPr id="13" name="Retângulo 12">
+            <a:extLst>
+              <a:ext uri="{FF2B5EF4-FFF2-40B4-BE49-F238E27FC236}">
+                <a16:creationId xmlns:a16="http://schemas.microsoft.com/office/drawing/2014/main" id="{81BF4DB7-E415-483C-A4DB-6BA39A296FD1}"/>
+              </a:ext>
+            </a:extLst>
+          </p:cNvPr>
+          <p:cNvSpPr/>
+          <p:nvPr/>
+        </p:nvSpPr>
+        <p:spPr>
+          <a:xfrm rot="5400000" flipH="1" flipV="1">
+            <a:off x="8694092" y="4357666"/>
+            <a:ext cx="196702" cy="431872"/>
+          </a:xfrm>
+          <a:prstGeom prst="rect">
+            <a:avLst/>
+          </a:prstGeom>
+          <a:solidFill>
+            <a:schemeClr val="bg1"/>
+          </a:solidFill>
+          <a:ln>
+            <a:solidFill>
+              <a:schemeClr val="bg1"/>
+            </a:solidFill>
+          </a:ln>
+        </p:spPr>
+        <p:style>
+          <a:lnRef idx="2">
+            <a:schemeClr val="accent1">
+              <a:shade val="50000"/>
+            </a:schemeClr>
+          </a:lnRef>
+          <a:fillRef idx="1">
+            <a:schemeClr val="accent1"/>
+          </a:fillRef>
+          <a:effectRef idx="0">
+            <a:schemeClr val="accent1"/>
+          </a:effectRef>
+          <a:fontRef idx="minor">
+            <a:schemeClr val="lt1"/>
+          </a:fontRef>
+        </p:style>
+        <p:txBody>
+          <a:bodyPr rtlCol="0" anchor="ctr"/>
+          <a:lstStyle/>
+          <a:p>
+            <a:pPr algn="ctr"/>
+            <a:endParaRPr lang="pt-BR" dirty="0"/>
+          </a:p>
+        </p:txBody>
+      </p:sp>
     </p:spTree>
     <p:extLst>
       <p:ext uri="{BB962C8B-B14F-4D97-AF65-F5344CB8AC3E}">
@@ -8126,6 +10650,52 @@
           </a:p>
         </p:txBody>
       </p:sp>
+      <p:pic>
+        <p:nvPicPr>
+          <p:cNvPr id="5" name="Imagem 4">
+            <a:extLst>
+              <a:ext uri="{FF2B5EF4-FFF2-40B4-BE49-F238E27FC236}">
+                <a16:creationId xmlns:a16="http://schemas.microsoft.com/office/drawing/2014/main" id="{8ACE5F75-953E-43E3-B9AE-E787FF576140}"/>
+              </a:ext>
+            </a:extLst>
+          </p:cNvPr>
+          <p:cNvPicPr>
+            <a:picLocks noChangeAspect="1"/>
+          </p:cNvPicPr>
+          <p:nvPr/>
+        </p:nvPicPr>
+        <p:blipFill>
+          <a:blip r:embed="rId3">
+            <a:extLst>
+              <a:ext uri="{28A0092B-C50C-407E-A947-70E740481C1C}">
+                <a14:useLocalDpi xmlns:a14="http://schemas.microsoft.com/office/drawing/2010/main" val="0"/>
+              </a:ext>
+            </a:extLst>
+          </a:blip>
+          <a:stretch>
+            <a:fillRect/>
+          </a:stretch>
+        </p:blipFill>
+        <p:spPr>
+          <a:xfrm>
+            <a:off x="7528272" y="3201194"/>
+            <a:ext cx="1219200" cy="1219200"/>
+          </a:xfrm>
+          <a:prstGeom prst="rect">
+            <a:avLst/>
+          </a:prstGeom>
+          <a:ln>
+            <a:noFill/>
+          </a:ln>
+          <a:effectLst>
+            <a:outerShdw blurRad="190500" algn="tl" rotWithShape="0">
+              <a:srgbClr val="000000">
+                <a:alpha val="70000"/>
+              </a:srgbClr>
+            </a:outerShdw>
+          </a:effectLst>
+        </p:spPr>
+      </p:pic>
     </p:spTree>
     <p:extLst>
       <p:ext uri="{BB962C8B-B14F-4D97-AF65-F5344CB8AC3E}">
@@ -8380,7 +10950,7 @@
                 <a:ea typeface="+mn-ea"/>
                 <a:cs typeface="Calibri" pitchFamily="34" charset="0"/>
               </a:rPr>
-              <a:t>Problema</a:t>
+              <a:t>Justificativa</a:t>
             </a:r>
           </a:p>
         </p:txBody>
@@ -8395,17 +10965,22 @@
             <p:ph idx="1"/>
           </p:nvPr>
         </p:nvSpPr>
-        <p:spPr/>
-        <p:txBody>
-          <a:bodyPr/>
-          <a:lstStyle/>
-          <a:p>
-            <a:pPr marL="0" indent="0">
+        <p:spPr>
+          <a:xfrm>
+            <a:off x="508000" y="2946698"/>
+            <a:ext cx="9144000" cy="3862090"/>
+          </a:xfrm>
+        </p:spPr>
+        <p:txBody>
+          <a:bodyPr/>
+          <a:lstStyle/>
+          <a:p>
+            <a:pPr marL="0" indent="0" algn="ctr">
               <a:buNone/>
             </a:pPr>
             <a:r>
               <a:rPr lang="pt-BR" dirty="0"/>
-              <a:t> Desenvolver um site de delivery com as principais funcionalidades e etapas de compra inspirado em grandes empresas de fast food como: Ifood, Rappi, UberEats .</a:t>
+              <a:t> Criar um projeto real para desenvolver nossas habilidades no front-end e mostrar através desse projeto também o conhecimento absorvido no curso técnico de Desenvolvimento de Sistemas.</a:t>
             </a:r>
           </a:p>
         </p:txBody>
@@ -8413,7 +10988,7 @@
     </p:spTree>
     <p:extLst>
       <p:ext uri="{BB962C8B-B14F-4D97-AF65-F5344CB8AC3E}">
-        <p14:creationId xmlns:p14="http://schemas.microsoft.com/office/powerpoint/2010/main" val="372216130"/>
+        <p14:creationId xmlns:p14="http://schemas.microsoft.com/office/powerpoint/2010/main" val="1231055985"/>
       </p:ext>
     </p:extLst>
   </p:cSld>
@@ -9036,6 +11611,350 @@
 </a:themeOverride>
 </file>
 
+<file path=ppt/theme/themeOverride10.xml><?xml version="1.0" encoding="utf-8"?>
+<a:themeOverride xmlns:a="http://schemas.openxmlformats.org/drawingml/2006/main">
+  <a:clrScheme name="Escritório">
+    <a:dk1>
+      <a:sysClr val="windowText" lastClr="000000"/>
+    </a:dk1>
+    <a:lt1>
+      <a:sysClr val="window" lastClr="FFFFFF"/>
+    </a:lt1>
+    <a:dk2>
+      <a:srgbClr val="1F497D"/>
+    </a:dk2>
+    <a:lt2>
+      <a:srgbClr val="EEECE1"/>
+    </a:lt2>
+    <a:accent1>
+      <a:srgbClr val="4F81BD"/>
+    </a:accent1>
+    <a:accent2>
+      <a:srgbClr val="C0504D"/>
+    </a:accent2>
+    <a:accent3>
+      <a:srgbClr val="9BBB59"/>
+    </a:accent3>
+    <a:accent4>
+      <a:srgbClr val="8064A2"/>
+    </a:accent4>
+    <a:accent5>
+      <a:srgbClr val="4BACC6"/>
+    </a:accent5>
+    <a:accent6>
+      <a:srgbClr val="F79646"/>
+    </a:accent6>
+    <a:hlink>
+      <a:srgbClr val="0000FF"/>
+    </a:hlink>
+    <a:folHlink>
+      <a:srgbClr val="800080"/>
+    </a:folHlink>
+  </a:clrScheme>
+</a:themeOverride>
+</file>
+
+<file path=ppt/theme/themeOverride11.xml><?xml version="1.0" encoding="utf-8"?>
+<a:themeOverride xmlns:a="http://schemas.openxmlformats.org/drawingml/2006/main">
+  <a:clrScheme name="Escritório">
+    <a:dk1>
+      <a:sysClr val="windowText" lastClr="000000"/>
+    </a:dk1>
+    <a:lt1>
+      <a:sysClr val="window" lastClr="FFFFFF"/>
+    </a:lt1>
+    <a:dk2>
+      <a:srgbClr val="1F497D"/>
+    </a:dk2>
+    <a:lt2>
+      <a:srgbClr val="EEECE1"/>
+    </a:lt2>
+    <a:accent1>
+      <a:srgbClr val="4F81BD"/>
+    </a:accent1>
+    <a:accent2>
+      <a:srgbClr val="C0504D"/>
+    </a:accent2>
+    <a:accent3>
+      <a:srgbClr val="9BBB59"/>
+    </a:accent3>
+    <a:accent4>
+      <a:srgbClr val="8064A2"/>
+    </a:accent4>
+    <a:accent5>
+      <a:srgbClr val="4BACC6"/>
+    </a:accent5>
+    <a:accent6>
+      <a:srgbClr val="F79646"/>
+    </a:accent6>
+    <a:hlink>
+      <a:srgbClr val="0000FF"/>
+    </a:hlink>
+    <a:folHlink>
+      <a:srgbClr val="800080"/>
+    </a:folHlink>
+  </a:clrScheme>
+</a:themeOverride>
+</file>
+
+<file path=ppt/theme/themeOverride12.xml><?xml version="1.0" encoding="utf-8"?>
+<a:themeOverride xmlns:a="http://schemas.openxmlformats.org/drawingml/2006/main">
+  <a:clrScheme name="Escritório">
+    <a:dk1>
+      <a:sysClr val="windowText" lastClr="000000"/>
+    </a:dk1>
+    <a:lt1>
+      <a:sysClr val="window" lastClr="FFFFFF"/>
+    </a:lt1>
+    <a:dk2>
+      <a:srgbClr val="1F497D"/>
+    </a:dk2>
+    <a:lt2>
+      <a:srgbClr val="EEECE1"/>
+    </a:lt2>
+    <a:accent1>
+      <a:srgbClr val="4F81BD"/>
+    </a:accent1>
+    <a:accent2>
+      <a:srgbClr val="C0504D"/>
+    </a:accent2>
+    <a:accent3>
+      <a:srgbClr val="9BBB59"/>
+    </a:accent3>
+    <a:accent4>
+      <a:srgbClr val="8064A2"/>
+    </a:accent4>
+    <a:accent5>
+      <a:srgbClr val="4BACC6"/>
+    </a:accent5>
+    <a:accent6>
+      <a:srgbClr val="F79646"/>
+    </a:accent6>
+    <a:hlink>
+      <a:srgbClr val="0000FF"/>
+    </a:hlink>
+    <a:folHlink>
+      <a:srgbClr val="800080"/>
+    </a:folHlink>
+  </a:clrScheme>
+</a:themeOverride>
+</file>
+
+<file path=ppt/theme/themeOverride13.xml><?xml version="1.0" encoding="utf-8"?>
+<a:themeOverride xmlns:a="http://schemas.openxmlformats.org/drawingml/2006/main">
+  <a:clrScheme name="Escritório">
+    <a:dk1>
+      <a:sysClr val="windowText" lastClr="000000"/>
+    </a:dk1>
+    <a:lt1>
+      <a:sysClr val="window" lastClr="FFFFFF"/>
+    </a:lt1>
+    <a:dk2>
+      <a:srgbClr val="1F497D"/>
+    </a:dk2>
+    <a:lt2>
+      <a:srgbClr val="EEECE1"/>
+    </a:lt2>
+    <a:accent1>
+      <a:srgbClr val="4F81BD"/>
+    </a:accent1>
+    <a:accent2>
+      <a:srgbClr val="C0504D"/>
+    </a:accent2>
+    <a:accent3>
+      <a:srgbClr val="9BBB59"/>
+    </a:accent3>
+    <a:accent4>
+      <a:srgbClr val="8064A2"/>
+    </a:accent4>
+    <a:accent5>
+      <a:srgbClr val="4BACC6"/>
+    </a:accent5>
+    <a:accent6>
+      <a:srgbClr val="F79646"/>
+    </a:accent6>
+    <a:hlink>
+      <a:srgbClr val="0000FF"/>
+    </a:hlink>
+    <a:folHlink>
+      <a:srgbClr val="800080"/>
+    </a:folHlink>
+  </a:clrScheme>
+</a:themeOverride>
+</file>
+
+<file path=ppt/theme/themeOverride14.xml><?xml version="1.0" encoding="utf-8"?>
+<a:themeOverride xmlns:a="http://schemas.openxmlformats.org/drawingml/2006/main">
+  <a:clrScheme name="Escritório">
+    <a:dk1>
+      <a:sysClr val="windowText" lastClr="000000"/>
+    </a:dk1>
+    <a:lt1>
+      <a:sysClr val="window" lastClr="FFFFFF"/>
+    </a:lt1>
+    <a:dk2>
+      <a:srgbClr val="1F497D"/>
+    </a:dk2>
+    <a:lt2>
+      <a:srgbClr val="EEECE1"/>
+    </a:lt2>
+    <a:accent1>
+      <a:srgbClr val="4F81BD"/>
+    </a:accent1>
+    <a:accent2>
+      <a:srgbClr val="C0504D"/>
+    </a:accent2>
+    <a:accent3>
+      <a:srgbClr val="9BBB59"/>
+    </a:accent3>
+    <a:accent4>
+      <a:srgbClr val="8064A2"/>
+    </a:accent4>
+    <a:accent5>
+      <a:srgbClr val="4BACC6"/>
+    </a:accent5>
+    <a:accent6>
+      <a:srgbClr val="F79646"/>
+    </a:accent6>
+    <a:hlink>
+      <a:srgbClr val="0000FF"/>
+    </a:hlink>
+    <a:folHlink>
+      <a:srgbClr val="800080"/>
+    </a:folHlink>
+  </a:clrScheme>
+</a:themeOverride>
+</file>
+
+<file path=ppt/theme/themeOverride15.xml><?xml version="1.0" encoding="utf-8"?>
+<a:themeOverride xmlns:a="http://schemas.openxmlformats.org/drawingml/2006/main">
+  <a:clrScheme name="Escritório">
+    <a:dk1>
+      <a:sysClr val="windowText" lastClr="000000"/>
+    </a:dk1>
+    <a:lt1>
+      <a:sysClr val="window" lastClr="FFFFFF"/>
+    </a:lt1>
+    <a:dk2>
+      <a:srgbClr val="1F497D"/>
+    </a:dk2>
+    <a:lt2>
+      <a:srgbClr val="EEECE1"/>
+    </a:lt2>
+    <a:accent1>
+      <a:srgbClr val="4F81BD"/>
+    </a:accent1>
+    <a:accent2>
+      <a:srgbClr val="C0504D"/>
+    </a:accent2>
+    <a:accent3>
+      <a:srgbClr val="9BBB59"/>
+    </a:accent3>
+    <a:accent4>
+      <a:srgbClr val="8064A2"/>
+    </a:accent4>
+    <a:accent5>
+      <a:srgbClr val="4BACC6"/>
+    </a:accent5>
+    <a:accent6>
+      <a:srgbClr val="F79646"/>
+    </a:accent6>
+    <a:hlink>
+      <a:srgbClr val="0000FF"/>
+    </a:hlink>
+    <a:folHlink>
+      <a:srgbClr val="800080"/>
+    </a:folHlink>
+  </a:clrScheme>
+</a:themeOverride>
+</file>
+
+<file path=ppt/theme/themeOverride16.xml><?xml version="1.0" encoding="utf-8"?>
+<a:themeOverride xmlns:a="http://schemas.openxmlformats.org/drawingml/2006/main">
+  <a:clrScheme name="Escritório">
+    <a:dk1>
+      <a:sysClr val="windowText" lastClr="000000"/>
+    </a:dk1>
+    <a:lt1>
+      <a:sysClr val="window" lastClr="FFFFFF"/>
+    </a:lt1>
+    <a:dk2>
+      <a:srgbClr val="1F497D"/>
+    </a:dk2>
+    <a:lt2>
+      <a:srgbClr val="EEECE1"/>
+    </a:lt2>
+    <a:accent1>
+      <a:srgbClr val="4F81BD"/>
+    </a:accent1>
+    <a:accent2>
+      <a:srgbClr val="C0504D"/>
+    </a:accent2>
+    <a:accent3>
+      <a:srgbClr val="9BBB59"/>
+    </a:accent3>
+    <a:accent4>
+      <a:srgbClr val="8064A2"/>
+    </a:accent4>
+    <a:accent5>
+      <a:srgbClr val="4BACC6"/>
+    </a:accent5>
+    <a:accent6>
+      <a:srgbClr val="F79646"/>
+    </a:accent6>
+    <a:hlink>
+      <a:srgbClr val="0000FF"/>
+    </a:hlink>
+    <a:folHlink>
+      <a:srgbClr val="800080"/>
+    </a:folHlink>
+  </a:clrScheme>
+</a:themeOverride>
+</file>
+
+<file path=ppt/theme/themeOverride17.xml><?xml version="1.0" encoding="utf-8"?>
+<a:themeOverride xmlns:a="http://schemas.openxmlformats.org/drawingml/2006/main">
+  <a:clrScheme name="Escritório">
+    <a:dk1>
+      <a:sysClr val="windowText" lastClr="000000"/>
+    </a:dk1>
+    <a:lt1>
+      <a:sysClr val="window" lastClr="FFFFFF"/>
+    </a:lt1>
+    <a:dk2>
+      <a:srgbClr val="1F497D"/>
+    </a:dk2>
+    <a:lt2>
+      <a:srgbClr val="EEECE1"/>
+    </a:lt2>
+    <a:accent1>
+      <a:srgbClr val="4F81BD"/>
+    </a:accent1>
+    <a:accent2>
+      <a:srgbClr val="C0504D"/>
+    </a:accent2>
+    <a:accent3>
+      <a:srgbClr val="9BBB59"/>
+    </a:accent3>
+    <a:accent4>
+      <a:srgbClr val="8064A2"/>
+    </a:accent4>
+    <a:accent5>
+      <a:srgbClr val="4BACC6"/>
+    </a:accent5>
+    <a:accent6>
+      <a:srgbClr val="F79646"/>
+    </a:accent6>
+    <a:hlink>
+      <a:srgbClr val="0000FF"/>
+    </a:hlink>
+    <a:folHlink>
+      <a:srgbClr val="800080"/>
+    </a:folHlink>
+  </a:clrScheme>
+</a:themeOverride>
+</file>
+
 <file path=ppt/theme/themeOverride2.xml><?xml version="1.0" encoding="utf-8"?>
 <a:themeOverride xmlns:a="http://schemas.openxmlformats.org/drawingml/2006/main">
   <a:clrScheme name="Escritório">
@@ -9335,4 +12254,47 @@
     </a:folHlink>
   </a:clrScheme>
 </a:themeOverride>
+</file>
+
+<file path=ppt/theme/themeOverride9.xml><?xml version="1.0" encoding="utf-8"?>
+<a:themeOverride xmlns:a="http://schemas.openxmlformats.org/drawingml/2006/main">
+  <a:clrScheme name="Escritório">
+    <a:dk1>
+      <a:sysClr val="windowText" lastClr="000000"/>
+    </a:dk1>
+    <a:lt1>
+      <a:sysClr val="window" lastClr="FFFFFF"/>
+    </a:lt1>
+    <a:dk2>
+      <a:srgbClr val="1F497D"/>
+    </a:dk2>
+    <a:lt2>
+      <a:srgbClr val="EEECE1"/>
+    </a:lt2>
+    <a:accent1>
+      <a:srgbClr val="4F81BD"/>
+    </a:accent1>
+    <a:accent2>
+      <a:srgbClr val="C0504D"/>
+    </a:accent2>
+    <a:accent3>
+      <a:srgbClr val="9BBB59"/>
+    </a:accent3>
+    <a:accent4>
+      <a:srgbClr val="8064A2"/>
+    </a:accent4>
+    <a:accent5>
+      <a:srgbClr val="4BACC6"/>
+    </a:accent5>
+    <a:accent6>
+      <a:srgbClr val="F79646"/>
+    </a:accent6>
+    <a:hlink>
+      <a:srgbClr val="0000FF"/>
+    </a:hlink>
+    <a:folHlink>
+      <a:srgbClr val="800080"/>
+    </a:folHlink>
+  </a:clrScheme>
+</a:themeOverride>
 </file>